--- a/expo.pptx
+++ b/expo.pptx
@@ -20,24 +20,25 @@
     <p:sldId id="269" r:id="rId14"/>
     <p:sldId id="270" r:id="rId15"/>
     <p:sldId id="271" r:id="rId16"/>
-    <p:sldId id="272" r:id="rId17"/>
-    <p:sldId id="267" r:id="rId18"/>
-    <p:sldId id="274" r:id="rId19"/>
-    <p:sldId id="275" r:id="rId20"/>
-    <p:sldId id="273" r:id="rId21"/>
-    <p:sldId id="277" r:id="rId22"/>
-    <p:sldId id="278" r:id="rId23"/>
-    <p:sldId id="279" r:id="rId24"/>
-    <p:sldId id="276" r:id="rId25"/>
-    <p:sldId id="281" r:id="rId26"/>
-    <p:sldId id="282" r:id="rId27"/>
-    <p:sldId id="280" r:id="rId28"/>
-    <p:sldId id="284" r:id="rId29"/>
-    <p:sldId id="283" r:id="rId30"/>
-    <p:sldId id="285" r:id="rId31"/>
-    <p:sldId id="288" r:id="rId32"/>
-    <p:sldId id="287" r:id="rId33"/>
-    <p:sldId id="286" r:id="rId34"/>
+    <p:sldId id="289" r:id="rId17"/>
+    <p:sldId id="272" r:id="rId18"/>
+    <p:sldId id="267" r:id="rId19"/>
+    <p:sldId id="274" r:id="rId20"/>
+    <p:sldId id="275" r:id="rId21"/>
+    <p:sldId id="273" r:id="rId22"/>
+    <p:sldId id="277" r:id="rId23"/>
+    <p:sldId id="278" r:id="rId24"/>
+    <p:sldId id="279" r:id="rId25"/>
+    <p:sldId id="276" r:id="rId26"/>
+    <p:sldId id="281" r:id="rId27"/>
+    <p:sldId id="282" r:id="rId28"/>
+    <p:sldId id="280" r:id="rId29"/>
+    <p:sldId id="284" r:id="rId30"/>
+    <p:sldId id="283" r:id="rId31"/>
+    <p:sldId id="285" r:id="rId32"/>
+    <p:sldId id="288" r:id="rId33"/>
+    <p:sldId id="287" r:id="rId34"/>
+    <p:sldId id="286" r:id="rId35"/>
   </p:sldIdLst>
   <p:sldSz cx="12192000" cy="6858000"/>
   <p:notesSz cx="6858000" cy="9144000"/>
@@ -2340,6 +2341,230 @@
           <inkml:channelProperty channel="OE" name="resolution" value="1000" units="1/deg"/>
         </inkml:channelProperties>
       </inkml:inkSource>
+      <inkml:timestamp xml:id="ts0" timeString="2024-11-20T18:36:50.709"/>
+    </inkml:context>
+    <inkml:brush xml:id="br0">
+      <inkml:brushProperty name="width" value="0.035" units="cm"/>
+      <inkml:brushProperty name="height" value="0.035" units="cm"/>
+      <inkml:brushProperty name="color" value="#E71224"/>
+    </inkml:brush>
+  </inkml:definitions>
+  <inkml:trace contextRef="#ctx0" brushRef="#br0">0 0 764 0 0,'0'0'13183'0'0,"4"2"-13234"0"0,1 2 76 0 0,-2-2-10 0 0,-1-1 1 0 0,0 1-1 0 0,1 0 1 0 0,-1 0-1 0 0,0 1 1 0 0,0-1-1 0 0,-1 0 1 0 0,1 1 0 0 0,0-1-1 0 0,-1 1 1 0 0,1 0-1 0 0,-1-1 1 0 0,2 5-1 0 0,10 17 138 0 0,48 92 704 0 0,47 76-152 0 0,-86-141-465 0 0,1-13 64 0 0,28 62 0 0 0,-50-96-249 0 0,2 2 7 0 0,8 16 7 0 0,-8-16 10 0 0,13 19 167 0 0,-12-15-186 0 0,1 0 0 0 0,0-1 0 0 0,0 1 0 0 0,11 14 0 0 0,-10-16-42 0 0,-4-5 90 0 0,7 15 93 0 0,-8-14-3385 0 0</inkml:trace>
+</inkml:ink>
+</file>
+
+<file path=ppt/ink/ink72.xml><?xml version="1.0" encoding="utf-8"?>
+<inkml:ink xmlns:inkml="http://www.w3.org/2003/InkML">
+  <inkml:definitions>
+    <inkml:context xml:id="ctx0">
+      <inkml:inkSource xml:id="inkSrc0">
+        <inkml:traceFormat>
+          <inkml:channel name="X" type="integer" min="-2.14748E9" max="2.14748E9" units="cm"/>
+          <inkml:channel name="Y" type="integer" min="-2.14748E9" max="2.14748E9" units="cm"/>
+          <inkml:channel name="F" type="integer" max="32767" units="dev"/>
+          <inkml:channel name="OA" type="integer" max="360" units="deg"/>
+          <inkml:channel name="OE" type="integer" max="90" units="deg"/>
+        </inkml:traceFormat>
+        <inkml:channelProperties>
+          <inkml:channelProperty channel="X" name="resolution" value="1000" units="1/cm"/>
+          <inkml:channelProperty channel="Y" name="resolution" value="1000" units="1/cm"/>
+          <inkml:channelProperty channel="F" name="resolution" value="0" units="1/dev"/>
+          <inkml:channelProperty channel="OA" name="resolution" value="1000" units="1/deg"/>
+          <inkml:channelProperty channel="OE" name="resolution" value="1000" units="1/deg"/>
+        </inkml:channelProperties>
+      </inkml:inkSource>
+      <inkml:timestamp xml:id="ts0" timeString="2024-11-20T18:36:52.458"/>
+    </inkml:context>
+    <inkml:brush xml:id="br0">
+      <inkml:brushProperty name="width" value="0.035" units="cm"/>
+      <inkml:brushProperty name="height" value="0.035" units="cm"/>
+      <inkml:brushProperty name="color" value="#E71224"/>
+    </inkml:brush>
+  </inkml:definitions>
+  <inkml:trace contextRef="#ctx0" brushRef="#br0">1 241 992 0 0,'0'0'18876'0'0,"5"-2"-18641"0"0,38-20 630 0 0,72-48 1 0 0,-1 0-314 0 0,-67 42-368 0 0,-43 26-153 0 0,41-21 166 0 0,-22 9-3851 0 0,-5 4-6534 0 0</inkml:trace>
+</inkml:ink>
+</file>
+
+<file path=ppt/ink/ink73.xml><?xml version="1.0" encoding="utf-8"?>
+<inkml:ink xmlns:inkml="http://www.w3.org/2003/InkML">
+  <inkml:definitions>
+    <inkml:context xml:id="ctx0">
+      <inkml:inkSource xml:id="inkSrc0">
+        <inkml:traceFormat>
+          <inkml:channel name="X" type="integer" min="-2.14748E9" max="2.14748E9" units="cm"/>
+          <inkml:channel name="Y" type="integer" min="-2.14748E9" max="2.14748E9" units="cm"/>
+          <inkml:channel name="F" type="integer" max="32767" units="dev"/>
+          <inkml:channel name="OA" type="integer" max="360" units="deg"/>
+          <inkml:channel name="OE" type="integer" max="90" units="deg"/>
+        </inkml:traceFormat>
+        <inkml:channelProperties>
+          <inkml:channelProperty channel="X" name="resolution" value="1000" units="1/cm"/>
+          <inkml:channelProperty channel="Y" name="resolution" value="1000" units="1/cm"/>
+          <inkml:channelProperty channel="F" name="resolution" value="0" units="1/dev"/>
+          <inkml:channelProperty channel="OA" name="resolution" value="1000" units="1/deg"/>
+          <inkml:channelProperty channel="OE" name="resolution" value="1000" units="1/deg"/>
+        </inkml:channelProperties>
+      </inkml:inkSource>
+      <inkml:timestamp xml:id="ts0" timeString="2024-11-20T18:36:53.914"/>
+    </inkml:context>
+    <inkml:brush xml:id="br0">
+      <inkml:brushProperty name="width" value="0.035" units="cm"/>
+      <inkml:brushProperty name="height" value="0.035" units="cm"/>
+      <inkml:brushProperty name="color" value="#E71224"/>
+    </inkml:brush>
+  </inkml:definitions>
+  <inkml:trace contextRef="#ctx0" brushRef="#br0">0 273 400 0 0,'0'0'17898'0'0,"1"5"-17633"0"0,0 14-14 0 0,-1-14-19 0 0,3 2-68 0 0,-1-1 0 0 0,1 0-1 0 0,0 0 1 0 0,1-1-1 0 0,6 10 1 0 0,-8-12-171 0 0,0 2 189 0 0,0 0 0 0 0,8 23 158 0 0,1-1 0 0 0,1-1 0 0 0,17 26 0 0 0,1 13 140 0 0,25 42-53 0 0,-40-82-339 0 0,1-2-1 0 0,1 0 1 0 0,1-1-1 0 0,0 0 1 0 0,2-2-1 0 0,1 0 1 0 0,44 31-1 0 0,-61-48-42 0 0,1-1-21 0 0,15 9 14 0 0,-14-9-13 0 0,20 9 114 0 0,11 6 106 0 0,-33-15 253 0 0,-3-3-493 0 0,-1 1-1 0 0,0 0 1 0 0,0-1-1 0 0,1 1 1 0 0,-1 0-1 0 0,0-1 1 0 0,0 1-1 0 0,1 0 1 0 0,-1 0-1 0 0,0-1 1 0 0,1 1-1 0 0,-1 0 1 0 0,1 0 0 0 0,-1 0-1 0 0,0-1 1 0 0,1 1-1 0 0,-1 0 1 0 0,1 0-1 0 0,-1 0 1 0 0,0 0-1 0 0,1 0 1 0 0,-1 0-1 0 0,1 0 1 0 0,-1 0-1 0 0,0 0 1 0 0,1 0-1 0 0,-1 0 1 0 0,1 0-1 0 0,-1 0 1 0 0,1 0-1 0 0,-1 0 1 0 0,1 1-1 0 0,0-1 7 0 0,0 0 0 0 0,-1 0-1 0 0,1 0 1 0 0,0 0 0 0 0,0 1 0 0 0,0-1-1 0 0,-1 0 1 0 0,1 0 0 0 0,0-1-1 0 0,0 1 1 0 0,-1 0 0 0 0,1 0-1 0 0,0 0 1 0 0,0 0 0 0 0,-1-1 0 0 0,1 1-1 0 0,0 0 1 0 0,0-1 0 0 0,-1 1-1 0 0,1-1 1 0 0,0 1 0 0 0,-1 0-1 0 0,1-1 1 0 0,-1 0 0 0 0,1 1-1 0 0,-1-1 1 0 0,1 1 0 0 0,-1-1 0 0 0,1 0-1 0 0,5-10 52 0 0,0 0 0 0 0,-1 0 0 0 0,-1-1-1 0 0,0 1 1 0 0,-1-1 0 0 0,0 0 0 0 0,0 0-1 0 0,1-24 1 0 0,0-107 102 0 0,-4 117-134 0 0,-9-135 122 0 0,3 83-84 0 0,5 54-8 0 0,-1 0 1 0 0,-1 0-1 0 0,-1 0 0 0 0,-9-28 1 0 0,11 48-17 0 0,2-3-7 0 0,-4-19-8 0 0,3 19-4 0 0,-5-17-2 0 0,5 19-1 0 0,-1-19 18 0 0,2 19-31 0 0,-7-23 49 0 0,6 25-52 0 0,0 1 0 0 0,0 0 1 0 0,0-1-1 0 0,0 1 0 0 0,1 0 0 0 0,-1-1 0 0 0,0 1 0 0 0,1-1 1 0 0,0 1-1 0 0,0-1 0 0 0,0-3 0 0 0,-2-13-8 0 0,2 14-13 0 0,-11-14-12890 0 0,4 13 6265 0 0,-12-4 2137 0 0</inkml:trace>
+</inkml:ink>
+</file>
+
+<file path=ppt/ink/ink74.xml><?xml version="1.0" encoding="utf-8"?>
+<inkml:ink xmlns:inkml="http://www.w3.org/2003/InkML">
+  <inkml:definitions>
+    <inkml:context xml:id="ctx0">
+      <inkml:inkSource xml:id="inkSrc0">
+        <inkml:traceFormat>
+          <inkml:channel name="X" type="integer" min="-2.14748E9" max="2.14748E9" units="cm"/>
+          <inkml:channel name="Y" type="integer" min="-2.14748E9" max="2.14748E9" units="cm"/>
+          <inkml:channel name="F" type="integer" max="32767" units="dev"/>
+          <inkml:channel name="OA" type="integer" max="360" units="deg"/>
+          <inkml:channel name="OE" type="integer" max="90" units="deg"/>
+        </inkml:traceFormat>
+        <inkml:channelProperties>
+          <inkml:channelProperty channel="X" name="resolution" value="1000" units="1/cm"/>
+          <inkml:channelProperty channel="Y" name="resolution" value="1000" units="1/cm"/>
+          <inkml:channelProperty channel="F" name="resolution" value="0" units="1/dev"/>
+          <inkml:channelProperty channel="OA" name="resolution" value="1000" units="1/deg"/>
+          <inkml:channelProperty channel="OE" name="resolution" value="1000" units="1/deg"/>
+        </inkml:channelProperties>
+      </inkml:inkSource>
+      <inkml:timestamp xml:id="ts0" timeString="2024-11-20T18:37:06.691"/>
+    </inkml:context>
+    <inkml:brush xml:id="br0">
+      <inkml:brushProperty name="width" value="0.035" units="cm"/>
+      <inkml:brushProperty name="height" value="0.035" units="cm"/>
+      <inkml:brushProperty name="color" value="#E71224"/>
+    </inkml:brush>
+  </inkml:definitions>
+  <inkml:trace contextRef="#ctx0" brushRef="#br0">1 361 504 0 0,'0'0'18036'0'0,"4"-3"-17938"0"0,231-179 752 0 0,-159 118-734 0 0,-72 61-70 0 0,1 0-66 0 0,14-9 52 0 0,-14 9-64 0 0,-1-1 64 0 0,55-42 14 0 0,-55 43 18 0 0,-2 2-698 0 0,0 0 15 0 0,0 0 0 0 0,0 0 1 0 0,0-1-1 0 0,-1 1 0 0 0,1-1 0 0 0,0 1 1 0 0,-1-1-1 0 0,1 0 0 0 0,-1 1 0 0 0,1-1 1 0 0,-1 0-1 0 0,0 0 0 0 0,0 0 0 0 0,0 0 1 0 0,0 0-1 0 0,1-4 0 0 0,-2 6 401 0 0,2-4-2460 0 0</inkml:trace>
+</inkml:ink>
+</file>
+
+<file path=ppt/ink/ink75.xml><?xml version="1.0" encoding="utf-8"?>
+<inkml:ink xmlns:inkml="http://www.w3.org/2003/InkML">
+  <inkml:definitions>
+    <inkml:context xml:id="ctx0">
+      <inkml:inkSource xml:id="inkSrc0">
+        <inkml:traceFormat>
+          <inkml:channel name="X" type="integer" min="-2.14748E9" max="2.14748E9" units="cm"/>
+          <inkml:channel name="Y" type="integer" min="-2.14748E9" max="2.14748E9" units="cm"/>
+          <inkml:channel name="F" type="integer" max="32767" units="dev"/>
+          <inkml:channel name="OA" type="integer" max="360" units="deg"/>
+          <inkml:channel name="OE" type="integer" max="90" units="deg"/>
+        </inkml:traceFormat>
+        <inkml:channelProperties>
+          <inkml:channelProperty channel="X" name="resolution" value="1000" units="1/cm"/>
+          <inkml:channelProperty channel="Y" name="resolution" value="1000" units="1/cm"/>
+          <inkml:channelProperty channel="F" name="resolution" value="0" units="1/dev"/>
+          <inkml:channelProperty channel="OA" name="resolution" value="1000" units="1/deg"/>
+          <inkml:channelProperty channel="OE" name="resolution" value="1000" units="1/deg"/>
+        </inkml:channelProperties>
+      </inkml:inkSource>
+      <inkml:timestamp xml:id="ts0" timeString="2024-11-20T18:37:07.879"/>
+    </inkml:context>
+    <inkml:brush xml:id="br0">
+      <inkml:brushProperty name="width" value="0.035" units="cm"/>
+      <inkml:brushProperty name="height" value="0.035" units="cm"/>
+      <inkml:brushProperty name="color" value="#E71224"/>
+    </inkml:brush>
+  </inkml:definitions>
+  <inkml:trace contextRef="#ctx0" brushRef="#br0">1 0 216 0 0,'0'0'11485'0'0,"4"3"-11166"0"0,28 24 733 0 0,-29-23-851 0 0,11 13 209 0 0,-8-8-90 0 0,43 67 923 0 0,-15-9-474 0 0,-17-29-443 0 0,-2-5 235 0 0,15 49 0 0 0,0-3-128 0 0,-13-26-172 0 0,-13-42-199 0 0,0 1 0 0 0,0-1 1 0 0,2 18-1 0 0,-1-10 4 0 0,-3-13-54 0 0,-1-2 46 0 0,18 79 132 0 0,-18-78-114 0 0,0 0-75 0 0,19 79 314 0 0,-19-79-273 0 0,-1 0-66 0 0,13 75 136 0 0,-12-75-50 0 0,0 0-88 0 0,0 7 49 0 0,1 0 1 0 0,1 0-1 0 0,0 0 0 0 0,1-1 0 0 0,0 0 0 0 0,9 16 0 0 0,-10-26-10 0 0,1 0 1 0 0,0 0-1 0 0,0 0 1 0 0,0 0-1 0 0,0-1 1 0 0,0 1-1 0 0,0-1 1 0 0,1 0-1 0 0,-1-1 1 0 0,6 0-1 0 0,-5 1 1 0 0,0-2 14 0 0,37-18 124 0 0,-38 17-81 0 0,-1 1-86 0 0,8-8 118 0 0,0 1 0 0 0,0-2 0 0 0,-1 1-1 0 0,-1-1 1 0 0,16-24 0 0 0,-23 32 5 0 0,2-7-22 0 0,0 0 0 0 0,1 0 0 0 0,10-16 0 0 0,-8 15-26 0 0,-6 7-30 0 0,1 0 36 0 0,3-11-60 0 0,-3 11 17 0 0,0 0 4 0 0,31-61 233 0 0,-30 61-220 0 0,9-22 38 0 0,8-8-76 0 0,-18 30 22 0 0,0 1-60 0 0,8-10-25 0 0,-8 9-173 0 0</inkml:trace>
+</inkml:ink>
+</file>
+
+<file path=ppt/ink/ink76.xml><?xml version="1.0" encoding="utf-8"?>
+<inkml:ink xmlns:inkml="http://www.w3.org/2003/InkML">
+  <inkml:definitions>
+    <inkml:context xml:id="ctx0">
+      <inkml:inkSource xml:id="inkSrc0">
+        <inkml:traceFormat>
+          <inkml:channel name="X" type="integer" min="-2.14748E9" max="2.14748E9" units="cm"/>
+          <inkml:channel name="Y" type="integer" min="-2.14748E9" max="2.14748E9" units="cm"/>
+          <inkml:channel name="F" type="integer" max="32767" units="dev"/>
+          <inkml:channel name="OA" type="integer" max="360" units="deg"/>
+          <inkml:channel name="OE" type="integer" max="90" units="deg"/>
+        </inkml:traceFormat>
+        <inkml:channelProperties>
+          <inkml:channelProperty channel="X" name="resolution" value="1000" units="1/cm"/>
+          <inkml:channelProperty channel="Y" name="resolution" value="1000" units="1/cm"/>
+          <inkml:channelProperty channel="F" name="resolution" value="0" units="1/dev"/>
+          <inkml:channelProperty channel="OA" name="resolution" value="1000" units="1/deg"/>
+          <inkml:channelProperty channel="OE" name="resolution" value="1000" units="1/deg"/>
+        </inkml:channelProperties>
+      </inkml:inkSource>
+      <inkml:timestamp xml:id="ts0" timeString="2024-11-20T18:37:10.456"/>
+    </inkml:context>
+    <inkml:brush xml:id="br0">
+      <inkml:brushProperty name="width" value="0.035" units="cm"/>
+      <inkml:brushProperty name="height" value="0.035" units="cm"/>
+      <inkml:brushProperty name="color" value="#E71224"/>
+    </inkml:brush>
+  </inkml:definitions>
+  <inkml:trace contextRef="#ctx0" brushRef="#br0">18 1587 616 0 0,'0'0'3986'0'0,"-5"2"-3542"0"0,0-1-357 0 0,-3 2 8818 0 0,17-5-900 0 0,5-2-10682 0 0,-11 1 2751 0 0,10-8-17 0 0,-10 8 7 0 0,23-11 173 0 0,-13 4-185 0 0,-10 8 2 0 0,0-1 6 0 0,11-10-10 0 0,-11 10-25 0 0,1 0 13 0 0,166-121 502 0 0,-167 122-532 0 0,2-1 7 0 0,40-26-18 0 0,-41 25 29 0 0,17-8-3 0 0,19-17 13 0 0,-36 27-28 0 0,-1-1 2 0 0,30-19 72 0 0,-30 20-70 0 0,1-1 1 0 0,46-35 72 0 0,-46 36-65 0 0,-1 0 7 0 0,34-21 77 0 0,-33 20-72 0 0,-1 1-12 0 0,11-7 1 0 0,-11 7 7 0 0,1 0-33 0 0,52-33 139 0 0,-53 33-126 0 0,1 0-39 0 0,36-21 130 0 0,-35 20-67 0 0,31-22-13 0 0,-33 23 6 0 0,-2 1-23 0 0,0-1 0 0 0,0 1 1 0 0,0 0-1 0 0,1 0 0 0 0,-1 0 0 0 0,0 0 0 0 0,1 0 0 0 0,-1 0 0 0 0,0 0 0 0 0,1 0 0 0 0,-1 1 0 0 0,1-1 0 0 0,-1 0 0 0 0,3 0 0 0 0,-2 1 0 0 0,0-1-1 0 0,-1 1 0 0 0,1-1 0 0 0,-1 1 0 0 0,1-1 0 0 0,-1 0 0 0 0,1 0 0 0 0,-1 0 0 0 0,0 0 0 0 0,1 0 0 0 0,-1 0 0 0 0,0 0 0 0 0,0 0 1 0 0,2-2-1 0 0,22-9 20 0 0,-16 8-8 0 0,-1-1 1 0 0,0 0-1 0 0,0 0 0 0 0,9-8 1 0 0,-6 5-15 0 0,-8 6 4 0 0,1 0 3 0 0,77-52-62 0 0,-77 52 76 0 0,9-6-58 0 0,1-4 0 0 0,61-37 28 0 0,-72 47 26 0 0,1 0-27 0 0,12-5 26 0 0,-12 5-29 0 0,0 0 28 0 0,33-20-35 0 0,-33 20 40 0 0,-1-1-23 0 0,13-7 16 0 0,-12 8-14 0 0,0 0-12 0 0,61-35 3 0 0,-61 34 38 0 0,6-4-29 0 0,0 1 1 0 0,0 0-1 0 0,21-10 1 0 0,-31 16-1 0 0,4-2 2 0 0,23-13 12 0 0,16-8-4 0 0,-39 21-19 0 0,23-13 24 0 0,12-9 11 0 0,-35 21-13 0 0,-2 3-12 0 0,0-1 0 0 0,1 1 0 0 0,-1-1 0 0 0,0 0 0 0 0,0 0-1 0 0,1 0 1 0 0,-1 0 0 0 0,0 0 0 0 0,0 0 0 0 0,0-1 0 0 0,0 1 0 0 0,-1-1 0 0 0,4-2 0 0 0,13-8 14 0 0,-12 10-15 0 0,-1 0-1 0 0,1-1 1 0 0,-1 1 0 0 0,0-1-1 0 0,0 0 1 0 0,10-8 0 0 0,-15 10-1 0 0,5-1 21 0 0,-1-1-32 0 0,91-56 17 0 0,-90 56 34 0 0,3 0-16 0 0,1 0-1 0 0,-1-1 1 0 0,-1 0 0 0 0,1 0 0 0 0,0-1 0 0 0,9-8 0 0 0,-3 3 0 0 0,0 1-18 0 0,66-35 25 0 0,-22 8 24 0 0,-31 20-47 0 0,-6 3-2 0 0,-5 3 3 0 0,15-8 16 0 0,-20 11-29 0 0,1 1 1 0 0,-2-1-1 0 0,16-13 1 0 0,18-6 66 0 0,-40 24-48 0 0,1-1 8 0 0,76-50 110 0 0,-78 51-104 0 0,2 0-6 0 0,14-10-4 0 0,-14 9-2 0 0,22-11 26 0 0,-23 11-25 0 0,13-11 0 0 0,-13 10-2 0 0,0 2-3 0 0,55-31 99 0 0,-56 31-95 0 0,0-1-30 0 0,50-34 125 0 0,-49 35-20 0 0,-1 0-117 0 0,13-5 37 0 0,-12 5 63 0 0,-1-1-311 0 0,7-7-57 0 0,-7 7-215 0 0,-5-2-2660 0 0,0 2 2917 0 0,-11-22-2441 0 0,-4-2-4404 0 0,-3-1 1174 0 0</inkml:trace>
+</inkml:ink>
+</file>
+
+<file path=ppt/ink/ink77.xml><?xml version="1.0" encoding="utf-8"?>
+<inkml:ink xmlns:inkml="http://www.w3.org/2003/InkML">
+  <inkml:definitions>
+    <inkml:context xml:id="ctx0">
+      <inkml:inkSource xml:id="inkSrc0">
+        <inkml:traceFormat>
+          <inkml:channel name="X" type="integer" min="-2.14748E9" max="2.14748E9" units="cm"/>
+          <inkml:channel name="Y" type="integer" min="-2.14748E9" max="2.14748E9" units="cm"/>
+          <inkml:channel name="F" type="integer" max="32767" units="dev"/>
+          <inkml:channel name="OA" type="integer" max="360" units="deg"/>
+          <inkml:channel name="OE" type="integer" max="90" units="deg"/>
+        </inkml:traceFormat>
+        <inkml:channelProperties>
+          <inkml:channelProperty channel="X" name="resolution" value="1000" units="1/cm"/>
+          <inkml:channelProperty channel="Y" name="resolution" value="1000" units="1/cm"/>
+          <inkml:channelProperty channel="F" name="resolution" value="0" units="1/dev"/>
+          <inkml:channelProperty channel="OA" name="resolution" value="1000" units="1/deg"/>
+          <inkml:channelProperty channel="OE" name="resolution" value="1000" units="1/deg"/>
+        </inkml:channelProperties>
+      </inkml:inkSource>
+      <inkml:timestamp xml:id="ts0" timeString="2024-11-20T18:37:26.556"/>
+    </inkml:context>
+    <inkml:brush xml:id="br0">
+      <inkml:brushProperty name="width" value="0.035" units="cm"/>
+      <inkml:brushProperty name="height" value="0.035" units="cm"/>
+      <inkml:brushProperty name="color" value="#E71224"/>
+    </inkml:brush>
+  </inkml:definitions>
+  <inkml:trace contextRef="#ctx0" brushRef="#br0">208 647 364 0 0,'0'0'1167'0'0,"5"-1"-1024"0"0,8-3-3113 0 0,17 0 21888 0 0,-37 14-17636 0 0,4-7-1186 0 0,-2 0-94 0 0,-1 0 1 0 0,1 0-1 0 0,1 1 1 0 0,-1 0 0 0 0,0 0-1 0 0,-6 8 1 0 0,7-9-11 0 0,-16 15-9 0 0,11-8 2 0 0,0-1 0 0 0,1 2 0 0 0,-1-1 1 0 0,2 1-1 0 0,0 0 0 0 0,-8 17 0 0 0,4-9-4 0 0,9-15 7 0 0,0 2 3 0 0,-25 80-58 0 0,26-80 47 0 0,1-1 2 0 0,0 16 8 0 0,0-16 2 0 0,1 1 2 0 0,1 3 13 0 0,0 1 0 0 0,0-1 0 0 0,1 0 0 0 0,0 0 0 0 0,1 0 0 0 0,0-1 0 0 0,1 1 0 0 0,0-1 0 0 0,0 0 0 0 0,0 0 0 0 0,1-1 0 0 0,0 1 0 0 0,14 11 0 0 0,38 29 125 0 0,-50-43-85 0 0,57 27 100 0 0,-61-31-105 0 0,1 1-50 0 0,14 1 207 0 0,0 0 0 0 0,37-1 1 0 0,-50-3-92 0 0,-2-1-22 0 0,1-1-20 0 0,0-1-1 0 0,0 1 0 0 0,0-1 0 0 0,0 0 0 0 0,-1 0 0 0 0,0 0 0 0 0,0-1 0 0 0,0 0 1 0 0,0 0-1 0 0,-1 0 0 0 0,5-8 0 0 0,0-17 272 0 0,8-59-1 0 0,-15 71-295 0 0,0-1 0 0 0,-2 1 0 0 0,0 0 1 0 0,-1-1-1 0 0,0 1 0 0 0,-2 0 0 0 0,-10-32 0 0 0,-7-11 63 0 0,-30-57-1 0 0,-23-27 434 0 0,-121-175 0 0 0,140 228-356 0 0,52 89-170 0 0,1-1-2 0 0,-6-12-4 0 0,6 12 10 0 0,-1 1-7 0 0,-21-32-27 0 0,22 32 13 0 0,-6-12-393 0 0,32 45 792 0 0,50 51 1 0 0,5 4 557 0 0,9 22-25 0 0,153 175 1204 0 0,-183-221-1447 0 0,3-3 1 0 0,94 71-1 0 0,-65-61-292 0 0,100 67 280 0 0,-146-103-508 0 0,-40-30-136 0 0,1 1-2 0 0,61 38 43 0 0,-63-38-42 0 0,21 7 9 0 0,-20-8 32 0 0,13 4 102 0 0,-14-5-3470 0 0,-7-14-5277 0 0,-5 5 947 0 0,-10-1-1781 0 0</inkml:trace>
+</inkml:ink>
+</file>
+
+<file path=ppt/ink/ink78.xml><?xml version="1.0" encoding="utf-8"?>
+<inkml:ink xmlns:inkml="http://www.w3.org/2003/InkML">
+  <inkml:definitions>
+    <inkml:context xml:id="ctx0">
+      <inkml:inkSource xml:id="inkSrc0">
+        <inkml:traceFormat>
+          <inkml:channel name="X" type="integer" min="-2.14748E9" max="2.14748E9" units="cm"/>
+          <inkml:channel name="Y" type="integer" min="-2.14748E9" max="2.14748E9" units="cm"/>
+          <inkml:channel name="F" type="integer" max="32767" units="dev"/>
+          <inkml:channel name="OA" type="integer" max="360" units="deg"/>
+          <inkml:channel name="OE" type="integer" max="90" units="deg"/>
+        </inkml:traceFormat>
+        <inkml:channelProperties>
+          <inkml:channelProperty channel="X" name="resolution" value="1000" units="1/cm"/>
+          <inkml:channelProperty channel="Y" name="resolution" value="1000" units="1/cm"/>
+          <inkml:channelProperty channel="F" name="resolution" value="0" units="1/dev"/>
+          <inkml:channelProperty channel="OA" name="resolution" value="1000" units="1/deg"/>
+          <inkml:channelProperty channel="OE" name="resolution" value="1000" units="1/deg"/>
+        </inkml:channelProperties>
+      </inkml:inkSource>
       <inkml:timestamp xml:id="ts0" timeString="2024-11-20T18:11:32.765"/>
     </inkml:context>
     <inkml:brush xml:id="br0">
@@ -6301,8 +6526,8 @@
             <a:chExt cx="3641040" cy="1846440"/>
           </a:xfrm>
         </p:grpSpPr>
-        <mc:AlternateContent xmlns:mc="http://schemas.openxmlformats.org/markup-compatibility/2006">
-          <mc:Choice xmlns:p14="http://schemas.microsoft.com/office/powerpoint/2010/main" Requires="p14">
+        <mc:AlternateContent xmlns:mc="http://schemas.openxmlformats.org/markup-compatibility/2006" xmlns:p14="http://schemas.microsoft.com/office/powerpoint/2010/main">
+          <mc:Choice Requires="p14">
             <p:contentPart p14:bwMode="auto" r:id="rId2">
               <p14:nvContentPartPr>
                 <p14:cNvPr id="11" name="筆跡 10">
@@ -6321,7 +6546,7 @@
               </p14:xfrm>
             </p:contentPart>
           </mc:Choice>
-          <mc:Fallback>
+          <mc:Fallback xmlns="">
             <p:pic>
               <p:nvPicPr>
                 <p:cNvPr id="11" name="筆跡 10">
@@ -6352,8 +6577,8 @@
             </p:pic>
           </mc:Fallback>
         </mc:AlternateContent>
-        <mc:AlternateContent xmlns:mc="http://schemas.openxmlformats.org/markup-compatibility/2006">
-          <mc:Choice xmlns:p14="http://schemas.microsoft.com/office/powerpoint/2010/main" Requires="p14">
+        <mc:AlternateContent xmlns:mc="http://schemas.openxmlformats.org/markup-compatibility/2006" xmlns:p14="http://schemas.microsoft.com/office/powerpoint/2010/main">
+          <mc:Choice Requires="p14">
             <p:contentPart p14:bwMode="auto" r:id="rId4">
               <p14:nvContentPartPr>
                 <p14:cNvPr id="12" name="筆跡 11">
@@ -6372,7 +6597,7 @@
               </p14:xfrm>
             </p:contentPart>
           </mc:Choice>
-          <mc:Fallback>
+          <mc:Fallback xmlns="">
             <p:pic>
               <p:nvPicPr>
                 <p:cNvPr id="12" name="筆跡 11">
@@ -6403,8 +6628,8 @@
             </p:pic>
           </mc:Fallback>
         </mc:AlternateContent>
-        <mc:AlternateContent xmlns:mc="http://schemas.openxmlformats.org/markup-compatibility/2006">
-          <mc:Choice xmlns:p14="http://schemas.microsoft.com/office/powerpoint/2010/main" Requires="p14">
+        <mc:AlternateContent xmlns:mc="http://schemas.openxmlformats.org/markup-compatibility/2006" xmlns:p14="http://schemas.microsoft.com/office/powerpoint/2010/main">
+          <mc:Choice Requires="p14">
             <p:contentPart p14:bwMode="auto" r:id="rId6">
               <p14:nvContentPartPr>
                 <p14:cNvPr id="13" name="筆跡 12">
@@ -6423,7 +6648,7 @@
               </p14:xfrm>
             </p:contentPart>
           </mc:Choice>
-          <mc:Fallback>
+          <mc:Fallback xmlns="">
             <p:pic>
               <p:nvPicPr>
                 <p:cNvPr id="13" name="筆跡 12">
@@ -6454,8 +6679,8 @@
             </p:pic>
           </mc:Fallback>
         </mc:AlternateContent>
-        <mc:AlternateContent xmlns:mc="http://schemas.openxmlformats.org/markup-compatibility/2006">
-          <mc:Choice xmlns:p14="http://schemas.microsoft.com/office/powerpoint/2010/main" Requires="p14">
+        <mc:AlternateContent xmlns:mc="http://schemas.openxmlformats.org/markup-compatibility/2006" xmlns:p14="http://schemas.microsoft.com/office/powerpoint/2010/main">
+          <mc:Choice Requires="p14">
             <p:contentPart p14:bwMode="auto" r:id="rId8">
               <p14:nvContentPartPr>
                 <p14:cNvPr id="14" name="筆跡 13">
@@ -6474,7 +6699,7 @@
               </p14:xfrm>
             </p:contentPart>
           </mc:Choice>
-          <mc:Fallback>
+          <mc:Fallback xmlns="">
             <p:pic>
               <p:nvPicPr>
                 <p:cNvPr id="14" name="筆跡 13">
@@ -6505,8 +6730,8 @@
             </p:pic>
           </mc:Fallback>
         </mc:AlternateContent>
-        <mc:AlternateContent xmlns:mc="http://schemas.openxmlformats.org/markup-compatibility/2006">
-          <mc:Choice xmlns:p14="http://schemas.microsoft.com/office/powerpoint/2010/main" Requires="p14">
+        <mc:AlternateContent xmlns:mc="http://schemas.openxmlformats.org/markup-compatibility/2006" xmlns:p14="http://schemas.microsoft.com/office/powerpoint/2010/main">
+          <mc:Choice Requires="p14">
             <p:contentPart p14:bwMode="auto" r:id="rId10">
               <p14:nvContentPartPr>
                 <p14:cNvPr id="16" name="筆跡 15">
@@ -6525,7 +6750,7 @@
               </p14:xfrm>
             </p:contentPart>
           </mc:Choice>
-          <mc:Fallback>
+          <mc:Fallback xmlns="">
             <p:pic>
               <p:nvPicPr>
                 <p:cNvPr id="16" name="筆跡 15">
@@ -6556,8 +6781,8 @@
             </p:pic>
           </mc:Fallback>
         </mc:AlternateContent>
-        <mc:AlternateContent xmlns:mc="http://schemas.openxmlformats.org/markup-compatibility/2006">
-          <mc:Choice xmlns:p14="http://schemas.microsoft.com/office/powerpoint/2010/main" Requires="p14">
+        <mc:AlternateContent xmlns:mc="http://schemas.openxmlformats.org/markup-compatibility/2006" xmlns:p14="http://schemas.microsoft.com/office/powerpoint/2010/main">
+          <mc:Choice Requires="p14">
             <p:contentPart p14:bwMode="auto" r:id="rId12">
               <p14:nvContentPartPr>
                 <p14:cNvPr id="17" name="筆跡 16">
@@ -6576,7 +6801,7 @@
               </p14:xfrm>
             </p:contentPart>
           </mc:Choice>
-          <mc:Fallback>
+          <mc:Fallback xmlns="">
             <p:pic>
               <p:nvPicPr>
                 <p:cNvPr id="17" name="筆跡 16">
@@ -6607,8 +6832,8 @@
             </p:pic>
           </mc:Fallback>
         </mc:AlternateContent>
-        <mc:AlternateContent xmlns:mc="http://schemas.openxmlformats.org/markup-compatibility/2006">
-          <mc:Choice xmlns:p14="http://schemas.microsoft.com/office/powerpoint/2010/main" Requires="p14">
+        <mc:AlternateContent xmlns:mc="http://schemas.openxmlformats.org/markup-compatibility/2006" xmlns:p14="http://schemas.microsoft.com/office/powerpoint/2010/main">
+          <mc:Choice Requires="p14">
             <p:contentPart p14:bwMode="auto" r:id="rId14">
               <p14:nvContentPartPr>
                 <p14:cNvPr id="18" name="筆跡 17">
@@ -6627,7 +6852,7 @@
               </p14:xfrm>
             </p:contentPart>
           </mc:Choice>
-          <mc:Fallback>
+          <mc:Fallback xmlns="">
             <p:pic>
               <p:nvPicPr>
                 <p:cNvPr id="18" name="筆跡 17">
@@ -6658,8 +6883,8 @@
             </p:pic>
           </mc:Fallback>
         </mc:AlternateContent>
-        <mc:AlternateContent xmlns:mc="http://schemas.openxmlformats.org/markup-compatibility/2006">
-          <mc:Choice xmlns:p14="http://schemas.microsoft.com/office/powerpoint/2010/main" Requires="p14">
+        <mc:AlternateContent xmlns:mc="http://schemas.openxmlformats.org/markup-compatibility/2006" xmlns:p14="http://schemas.microsoft.com/office/powerpoint/2010/main">
+          <mc:Choice Requires="p14">
             <p:contentPart p14:bwMode="auto" r:id="rId16">
               <p14:nvContentPartPr>
                 <p14:cNvPr id="20" name="筆跡 19">
@@ -6678,7 +6903,7 @@
               </p14:xfrm>
             </p:contentPart>
           </mc:Choice>
-          <mc:Fallback>
+          <mc:Fallback xmlns="">
             <p:pic>
               <p:nvPicPr>
                 <p:cNvPr id="20" name="筆跡 19">
@@ -6710,8 +6935,8 @@
           </mc:Fallback>
         </mc:AlternateContent>
       </p:grpSp>
-      <mc:AlternateContent xmlns:mc="http://schemas.openxmlformats.org/markup-compatibility/2006">
-        <mc:Choice xmlns:p14="http://schemas.microsoft.com/office/powerpoint/2010/main" Requires="p14">
+      <mc:AlternateContent xmlns:mc="http://schemas.openxmlformats.org/markup-compatibility/2006" xmlns:p14="http://schemas.microsoft.com/office/powerpoint/2010/main">
+        <mc:Choice Requires="p14">
           <p:contentPart p14:bwMode="auto" r:id="rId18">
             <p14:nvContentPartPr>
               <p14:cNvPr id="22" name="筆跡 21">
@@ -6730,7 +6955,7 @@
             </p14:xfrm>
           </p:contentPart>
         </mc:Choice>
-        <mc:Fallback>
+        <mc:Fallback xmlns="">
           <p:pic>
             <p:nvPicPr>
               <p:cNvPr id="22" name="筆跡 21">
@@ -6781,8 +7006,8 @@
             <a:chExt cx="2660400" cy="1652040"/>
           </a:xfrm>
         </p:grpSpPr>
-        <mc:AlternateContent xmlns:mc="http://schemas.openxmlformats.org/markup-compatibility/2006">
-          <mc:Choice xmlns:p14="http://schemas.microsoft.com/office/powerpoint/2010/main" Requires="p14">
+        <mc:AlternateContent xmlns:mc="http://schemas.openxmlformats.org/markup-compatibility/2006" xmlns:p14="http://schemas.microsoft.com/office/powerpoint/2010/main">
+          <mc:Choice Requires="p14">
             <p:contentPart p14:bwMode="auto" r:id="rId20">
               <p14:nvContentPartPr>
                 <p14:cNvPr id="23" name="筆跡 22">
@@ -6801,7 +7026,7 @@
               </p14:xfrm>
             </p:contentPart>
           </mc:Choice>
-          <mc:Fallback>
+          <mc:Fallback xmlns="">
             <p:pic>
               <p:nvPicPr>
                 <p:cNvPr id="23" name="筆跡 22">
@@ -6832,8 +7057,8 @@
             </p:pic>
           </mc:Fallback>
         </mc:AlternateContent>
-        <mc:AlternateContent xmlns:mc="http://schemas.openxmlformats.org/markup-compatibility/2006">
-          <mc:Choice xmlns:p14="http://schemas.microsoft.com/office/powerpoint/2010/main" Requires="p14">
+        <mc:AlternateContent xmlns:mc="http://schemas.openxmlformats.org/markup-compatibility/2006" xmlns:p14="http://schemas.microsoft.com/office/powerpoint/2010/main">
+          <mc:Choice Requires="p14">
             <p:contentPart p14:bwMode="auto" r:id="rId22">
               <p14:nvContentPartPr>
                 <p14:cNvPr id="24" name="筆跡 23">
@@ -6852,7 +7077,7 @@
               </p14:xfrm>
             </p:contentPart>
           </mc:Choice>
-          <mc:Fallback>
+          <mc:Fallback xmlns="">
             <p:pic>
               <p:nvPicPr>
                 <p:cNvPr id="24" name="筆跡 23">
@@ -6883,8 +7108,8 @@
             </p:pic>
           </mc:Fallback>
         </mc:AlternateContent>
-        <mc:AlternateContent xmlns:mc="http://schemas.openxmlformats.org/markup-compatibility/2006">
-          <mc:Choice xmlns:p14="http://schemas.microsoft.com/office/powerpoint/2010/main" Requires="p14">
+        <mc:AlternateContent xmlns:mc="http://schemas.openxmlformats.org/markup-compatibility/2006" xmlns:p14="http://schemas.microsoft.com/office/powerpoint/2010/main">
+          <mc:Choice Requires="p14">
             <p:contentPart p14:bwMode="auto" r:id="rId24">
               <p14:nvContentPartPr>
                 <p14:cNvPr id="25" name="筆跡 24">
@@ -6903,7 +7128,7 @@
               </p14:xfrm>
             </p:contentPart>
           </mc:Choice>
-          <mc:Fallback>
+          <mc:Fallback xmlns="">
             <p:pic>
               <p:nvPicPr>
                 <p:cNvPr id="25" name="筆跡 24">
@@ -6934,8 +7159,8 @@
             </p:pic>
           </mc:Fallback>
         </mc:AlternateContent>
-        <mc:AlternateContent xmlns:mc="http://schemas.openxmlformats.org/markup-compatibility/2006">
-          <mc:Choice xmlns:p14="http://schemas.microsoft.com/office/powerpoint/2010/main" Requires="p14">
+        <mc:AlternateContent xmlns:mc="http://schemas.openxmlformats.org/markup-compatibility/2006" xmlns:p14="http://schemas.microsoft.com/office/powerpoint/2010/main">
+          <mc:Choice Requires="p14">
             <p:contentPart p14:bwMode="auto" r:id="rId26">
               <p14:nvContentPartPr>
                 <p14:cNvPr id="27" name="筆跡 26">
@@ -6954,7 +7179,7 @@
               </p14:xfrm>
             </p:contentPart>
           </mc:Choice>
-          <mc:Fallback>
+          <mc:Fallback xmlns="">
             <p:pic>
               <p:nvPicPr>
                 <p:cNvPr id="27" name="筆跡 26">
@@ -6985,8 +7210,8 @@
             </p:pic>
           </mc:Fallback>
         </mc:AlternateContent>
-        <mc:AlternateContent xmlns:mc="http://schemas.openxmlformats.org/markup-compatibility/2006">
-          <mc:Choice xmlns:p14="http://schemas.microsoft.com/office/powerpoint/2010/main" Requires="p14">
+        <mc:AlternateContent xmlns:mc="http://schemas.openxmlformats.org/markup-compatibility/2006" xmlns:p14="http://schemas.microsoft.com/office/powerpoint/2010/main">
+          <mc:Choice Requires="p14">
             <p:contentPart p14:bwMode="auto" r:id="rId28">
               <p14:nvContentPartPr>
                 <p14:cNvPr id="28" name="筆跡 27">
@@ -7005,7 +7230,7 @@
               </p14:xfrm>
             </p:contentPart>
           </mc:Choice>
-          <mc:Fallback>
+          <mc:Fallback xmlns="">
             <p:pic>
               <p:nvPicPr>
                 <p:cNvPr id="28" name="筆跡 27">
@@ -7036,8 +7261,8 @@
             </p:pic>
           </mc:Fallback>
         </mc:AlternateContent>
-        <mc:AlternateContent xmlns:mc="http://schemas.openxmlformats.org/markup-compatibility/2006">
-          <mc:Choice xmlns:p14="http://schemas.microsoft.com/office/powerpoint/2010/main" Requires="p14">
+        <mc:AlternateContent xmlns:mc="http://schemas.openxmlformats.org/markup-compatibility/2006" xmlns:p14="http://schemas.microsoft.com/office/powerpoint/2010/main">
+          <mc:Choice Requires="p14">
             <p:contentPart p14:bwMode="auto" r:id="rId30">
               <p14:nvContentPartPr>
                 <p14:cNvPr id="30" name="筆跡 29">
@@ -7056,7 +7281,7 @@
               </p14:xfrm>
             </p:contentPart>
           </mc:Choice>
-          <mc:Fallback>
+          <mc:Fallback xmlns="">
             <p:pic>
               <p:nvPicPr>
                 <p:cNvPr id="30" name="筆跡 29">
@@ -7087,8 +7312,8 @@
             </p:pic>
           </mc:Fallback>
         </mc:AlternateContent>
-        <mc:AlternateContent xmlns:mc="http://schemas.openxmlformats.org/markup-compatibility/2006">
-          <mc:Choice xmlns:p14="http://schemas.microsoft.com/office/powerpoint/2010/main" Requires="p14">
+        <mc:AlternateContent xmlns:mc="http://schemas.openxmlformats.org/markup-compatibility/2006" xmlns:p14="http://schemas.microsoft.com/office/powerpoint/2010/main">
+          <mc:Choice Requires="p14">
             <p:contentPart p14:bwMode="auto" r:id="rId32">
               <p14:nvContentPartPr>
                 <p14:cNvPr id="31" name="筆跡 30">
@@ -7107,7 +7332,7 @@
               </p14:xfrm>
             </p:contentPart>
           </mc:Choice>
-          <mc:Fallback>
+          <mc:Fallback xmlns="">
             <p:pic>
               <p:nvPicPr>
                 <p:cNvPr id="31" name="筆跡 30">
@@ -7138,8 +7363,8 @@
             </p:pic>
           </mc:Fallback>
         </mc:AlternateContent>
-        <mc:AlternateContent xmlns:mc="http://schemas.openxmlformats.org/markup-compatibility/2006">
-          <mc:Choice xmlns:p14="http://schemas.microsoft.com/office/powerpoint/2010/main" Requires="p14">
+        <mc:AlternateContent xmlns:mc="http://schemas.openxmlformats.org/markup-compatibility/2006" xmlns:p14="http://schemas.microsoft.com/office/powerpoint/2010/main">
+          <mc:Choice Requires="p14">
             <p:contentPart p14:bwMode="auto" r:id="rId34">
               <p14:nvContentPartPr>
                 <p14:cNvPr id="32" name="筆跡 31">
@@ -7158,7 +7383,7 @@
               </p14:xfrm>
             </p:contentPart>
           </mc:Choice>
-          <mc:Fallback>
+          <mc:Fallback xmlns="">
             <p:pic>
               <p:nvPicPr>
                 <p:cNvPr id="32" name="筆跡 31">
@@ -7210,8 +7435,8 @@
             <a:chExt cx="1379520" cy="1559160"/>
           </a:xfrm>
         </p:grpSpPr>
-        <mc:AlternateContent xmlns:mc="http://schemas.openxmlformats.org/markup-compatibility/2006">
-          <mc:Choice xmlns:p14="http://schemas.microsoft.com/office/powerpoint/2010/main" Requires="p14">
+        <mc:AlternateContent xmlns:mc="http://schemas.openxmlformats.org/markup-compatibility/2006" xmlns:p14="http://schemas.microsoft.com/office/powerpoint/2010/main">
+          <mc:Choice Requires="p14">
             <p:contentPart p14:bwMode="auto" r:id="rId36">
               <p14:nvContentPartPr>
                 <p14:cNvPr id="35" name="筆跡 34">
@@ -7230,7 +7455,7 @@
               </p14:xfrm>
             </p:contentPart>
           </mc:Choice>
-          <mc:Fallback>
+          <mc:Fallback xmlns="">
             <p:pic>
               <p:nvPicPr>
                 <p:cNvPr id="35" name="筆跡 34">
@@ -7261,8 +7486,8 @@
             </p:pic>
           </mc:Fallback>
         </mc:AlternateContent>
-        <mc:AlternateContent xmlns:mc="http://schemas.openxmlformats.org/markup-compatibility/2006">
-          <mc:Choice xmlns:p14="http://schemas.microsoft.com/office/powerpoint/2010/main" Requires="p14">
+        <mc:AlternateContent xmlns:mc="http://schemas.openxmlformats.org/markup-compatibility/2006" xmlns:p14="http://schemas.microsoft.com/office/powerpoint/2010/main">
+          <mc:Choice Requires="p14">
             <p:contentPart p14:bwMode="auto" r:id="rId38">
               <p14:nvContentPartPr>
                 <p14:cNvPr id="36" name="筆跡 35">
@@ -7281,7 +7506,7 @@
               </p14:xfrm>
             </p:contentPart>
           </mc:Choice>
-          <mc:Fallback>
+          <mc:Fallback xmlns="">
             <p:pic>
               <p:nvPicPr>
                 <p:cNvPr id="36" name="筆跡 35">
@@ -7312,8 +7537,8 @@
             </p:pic>
           </mc:Fallback>
         </mc:AlternateContent>
-        <mc:AlternateContent xmlns:mc="http://schemas.openxmlformats.org/markup-compatibility/2006">
-          <mc:Choice xmlns:p14="http://schemas.microsoft.com/office/powerpoint/2010/main" Requires="p14">
+        <mc:AlternateContent xmlns:mc="http://schemas.openxmlformats.org/markup-compatibility/2006" xmlns:p14="http://schemas.microsoft.com/office/powerpoint/2010/main">
+          <mc:Choice Requires="p14">
             <p:contentPart p14:bwMode="auto" r:id="rId40">
               <p14:nvContentPartPr>
                 <p14:cNvPr id="37" name="筆跡 36">
@@ -7332,7 +7557,7 @@
               </p14:xfrm>
             </p:contentPart>
           </mc:Choice>
-          <mc:Fallback>
+          <mc:Fallback xmlns="">
             <p:pic>
               <p:nvPicPr>
                 <p:cNvPr id="37" name="筆跡 36">
@@ -7363,8 +7588,8 @@
             </p:pic>
           </mc:Fallback>
         </mc:AlternateContent>
-        <mc:AlternateContent xmlns:mc="http://schemas.openxmlformats.org/markup-compatibility/2006">
-          <mc:Choice xmlns:p14="http://schemas.microsoft.com/office/powerpoint/2010/main" Requires="p14">
+        <mc:AlternateContent xmlns:mc="http://schemas.openxmlformats.org/markup-compatibility/2006" xmlns:p14="http://schemas.microsoft.com/office/powerpoint/2010/main">
+          <mc:Choice Requires="p14">
             <p:contentPart p14:bwMode="auto" r:id="rId42">
               <p14:nvContentPartPr>
                 <p14:cNvPr id="38" name="筆跡 37">
@@ -7383,7 +7608,7 @@
               </p14:xfrm>
             </p:contentPart>
           </mc:Choice>
-          <mc:Fallback>
+          <mc:Fallback xmlns="">
             <p:pic>
               <p:nvPicPr>
                 <p:cNvPr id="38" name="筆跡 37">
@@ -7435,8 +7660,8 @@
             <a:chExt cx="242280" cy="276480"/>
           </a:xfrm>
         </p:grpSpPr>
-        <mc:AlternateContent xmlns:mc="http://schemas.openxmlformats.org/markup-compatibility/2006">
-          <mc:Choice xmlns:p14="http://schemas.microsoft.com/office/powerpoint/2010/main" Requires="p14">
+        <mc:AlternateContent xmlns:mc="http://schemas.openxmlformats.org/markup-compatibility/2006" xmlns:p14="http://schemas.microsoft.com/office/powerpoint/2010/main">
+          <mc:Choice Requires="p14">
             <p:contentPart p14:bwMode="auto" r:id="rId44">
               <p14:nvContentPartPr>
                 <p14:cNvPr id="41" name="筆跡 40">
@@ -7455,7 +7680,7 @@
               </p14:xfrm>
             </p:contentPart>
           </mc:Choice>
-          <mc:Fallback>
+          <mc:Fallback xmlns="">
             <p:pic>
               <p:nvPicPr>
                 <p:cNvPr id="41" name="筆跡 40">
@@ -7486,8 +7711,8 @@
             </p:pic>
           </mc:Fallback>
         </mc:AlternateContent>
-        <mc:AlternateContent xmlns:mc="http://schemas.openxmlformats.org/markup-compatibility/2006">
-          <mc:Choice xmlns:p14="http://schemas.microsoft.com/office/powerpoint/2010/main" Requires="p14">
+        <mc:AlternateContent xmlns:mc="http://schemas.openxmlformats.org/markup-compatibility/2006" xmlns:p14="http://schemas.microsoft.com/office/powerpoint/2010/main">
+          <mc:Choice Requires="p14">
             <p:contentPart p14:bwMode="auto" r:id="rId46">
               <p14:nvContentPartPr>
                 <p14:cNvPr id="42" name="筆跡 41">
@@ -7506,7 +7731,7 @@
               </p14:xfrm>
             </p:contentPart>
           </mc:Choice>
-          <mc:Fallback>
+          <mc:Fallback xmlns="">
             <p:pic>
               <p:nvPicPr>
                 <p:cNvPr id="42" name="筆跡 41">
@@ -7558,8 +7783,8 @@
             <a:chExt cx="884520" cy="1791000"/>
           </a:xfrm>
         </p:grpSpPr>
-        <mc:AlternateContent xmlns:mc="http://schemas.openxmlformats.org/markup-compatibility/2006">
-          <mc:Choice xmlns:p14="http://schemas.microsoft.com/office/powerpoint/2010/main" Requires="p14">
+        <mc:AlternateContent xmlns:mc="http://schemas.openxmlformats.org/markup-compatibility/2006" xmlns:p14="http://schemas.microsoft.com/office/powerpoint/2010/main">
+          <mc:Choice Requires="p14">
             <p:contentPart p14:bwMode="auto" r:id="rId48">
               <p14:nvContentPartPr>
                 <p14:cNvPr id="44" name="筆跡 43">
@@ -7578,7 +7803,7 @@
               </p14:xfrm>
             </p:contentPart>
           </mc:Choice>
-          <mc:Fallback>
+          <mc:Fallback xmlns="">
             <p:pic>
               <p:nvPicPr>
                 <p:cNvPr id="44" name="筆跡 43">
@@ -7609,8 +7834,8 @@
             </p:pic>
           </mc:Fallback>
         </mc:AlternateContent>
-        <mc:AlternateContent xmlns:mc="http://schemas.openxmlformats.org/markup-compatibility/2006">
-          <mc:Choice xmlns:p14="http://schemas.microsoft.com/office/powerpoint/2010/main" Requires="p14">
+        <mc:AlternateContent xmlns:mc="http://schemas.openxmlformats.org/markup-compatibility/2006" xmlns:p14="http://schemas.microsoft.com/office/powerpoint/2010/main">
+          <mc:Choice Requires="p14">
             <p:contentPart p14:bwMode="auto" r:id="rId50">
               <p14:nvContentPartPr>
                 <p14:cNvPr id="45" name="筆跡 44">
@@ -7629,7 +7854,7 @@
               </p14:xfrm>
             </p:contentPart>
           </mc:Choice>
-          <mc:Fallback>
+          <mc:Fallback xmlns="">
             <p:pic>
               <p:nvPicPr>
                 <p:cNvPr id="45" name="筆跡 44">
@@ -7660,8 +7885,8 @@
             </p:pic>
           </mc:Fallback>
         </mc:AlternateContent>
-        <mc:AlternateContent xmlns:mc="http://schemas.openxmlformats.org/markup-compatibility/2006">
-          <mc:Choice xmlns:p14="http://schemas.microsoft.com/office/powerpoint/2010/main" Requires="p14">
+        <mc:AlternateContent xmlns:mc="http://schemas.openxmlformats.org/markup-compatibility/2006" xmlns:p14="http://schemas.microsoft.com/office/powerpoint/2010/main">
+          <mc:Choice Requires="p14">
             <p:contentPart p14:bwMode="auto" r:id="rId52">
               <p14:nvContentPartPr>
                 <p14:cNvPr id="46" name="筆跡 45">
@@ -7680,7 +7905,7 @@
               </p14:xfrm>
             </p:contentPart>
           </mc:Choice>
-          <mc:Fallback>
+          <mc:Fallback xmlns="">
             <p:pic>
               <p:nvPicPr>
                 <p:cNvPr id="46" name="筆跡 45">
@@ -7732,8 +7957,8 @@
             <a:chExt cx="2468880" cy="1548720"/>
           </a:xfrm>
         </p:grpSpPr>
-        <mc:AlternateContent xmlns:mc="http://schemas.openxmlformats.org/markup-compatibility/2006">
-          <mc:Choice xmlns:p14="http://schemas.microsoft.com/office/powerpoint/2010/main" Requires="p14">
+        <mc:AlternateContent xmlns:mc="http://schemas.openxmlformats.org/markup-compatibility/2006" xmlns:p14="http://schemas.microsoft.com/office/powerpoint/2010/main">
+          <mc:Choice Requires="p14">
             <p:contentPart p14:bwMode="auto" r:id="rId54">
               <p14:nvContentPartPr>
                 <p14:cNvPr id="48" name="筆跡 47">
@@ -7752,7 +7977,7 @@
               </p14:xfrm>
             </p:contentPart>
           </mc:Choice>
-          <mc:Fallback>
+          <mc:Fallback xmlns="">
             <p:pic>
               <p:nvPicPr>
                 <p:cNvPr id="48" name="筆跡 47">
@@ -7783,8 +8008,8 @@
             </p:pic>
           </mc:Fallback>
         </mc:AlternateContent>
-        <mc:AlternateContent xmlns:mc="http://schemas.openxmlformats.org/markup-compatibility/2006">
-          <mc:Choice xmlns:p14="http://schemas.microsoft.com/office/powerpoint/2010/main" Requires="p14">
+        <mc:AlternateContent xmlns:mc="http://schemas.openxmlformats.org/markup-compatibility/2006" xmlns:p14="http://schemas.microsoft.com/office/powerpoint/2010/main">
+          <mc:Choice Requires="p14">
             <p:contentPart p14:bwMode="auto" r:id="rId56">
               <p14:nvContentPartPr>
                 <p14:cNvPr id="49" name="筆跡 48">
@@ -7803,7 +8028,7 @@
               </p14:xfrm>
             </p:contentPart>
           </mc:Choice>
-          <mc:Fallback>
+          <mc:Fallback xmlns="">
             <p:pic>
               <p:nvPicPr>
                 <p:cNvPr id="49" name="筆跡 48">
@@ -7834,8 +8059,8 @@
             </p:pic>
           </mc:Fallback>
         </mc:AlternateContent>
-        <mc:AlternateContent xmlns:mc="http://schemas.openxmlformats.org/markup-compatibility/2006">
-          <mc:Choice xmlns:p14="http://schemas.microsoft.com/office/powerpoint/2010/main" Requires="p14">
+        <mc:AlternateContent xmlns:mc="http://schemas.openxmlformats.org/markup-compatibility/2006" xmlns:p14="http://schemas.microsoft.com/office/powerpoint/2010/main">
+          <mc:Choice Requires="p14">
             <p:contentPart p14:bwMode="auto" r:id="rId58">
               <p14:nvContentPartPr>
                 <p14:cNvPr id="50" name="筆跡 49">
@@ -7854,7 +8079,7 @@
               </p14:xfrm>
             </p:contentPart>
           </mc:Choice>
-          <mc:Fallback>
+          <mc:Fallback xmlns="">
             <p:pic>
               <p:nvPicPr>
                 <p:cNvPr id="50" name="筆跡 49">
@@ -7885,8 +8110,8 @@
             </p:pic>
           </mc:Fallback>
         </mc:AlternateContent>
-        <mc:AlternateContent xmlns:mc="http://schemas.openxmlformats.org/markup-compatibility/2006">
-          <mc:Choice xmlns:p14="http://schemas.microsoft.com/office/powerpoint/2010/main" Requires="p14">
+        <mc:AlternateContent xmlns:mc="http://schemas.openxmlformats.org/markup-compatibility/2006" xmlns:p14="http://schemas.microsoft.com/office/powerpoint/2010/main">
+          <mc:Choice Requires="p14">
             <p:contentPart p14:bwMode="auto" r:id="rId60">
               <p14:nvContentPartPr>
                 <p14:cNvPr id="51" name="筆跡 50">
@@ -7905,7 +8130,7 @@
               </p14:xfrm>
             </p:contentPart>
           </mc:Choice>
-          <mc:Fallback>
+          <mc:Fallback xmlns="">
             <p:pic>
               <p:nvPicPr>
                 <p:cNvPr id="51" name="筆跡 50">
@@ -7936,8 +8161,8 @@
             </p:pic>
           </mc:Fallback>
         </mc:AlternateContent>
-        <mc:AlternateContent xmlns:mc="http://schemas.openxmlformats.org/markup-compatibility/2006">
-          <mc:Choice xmlns:p14="http://schemas.microsoft.com/office/powerpoint/2010/main" Requires="p14">
+        <mc:AlternateContent xmlns:mc="http://schemas.openxmlformats.org/markup-compatibility/2006" xmlns:p14="http://schemas.microsoft.com/office/powerpoint/2010/main">
+          <mc:Choice Requires="p14">
             <p:contentPart p14:bwMode="auto" r:id="rId62">
               <p14:nvContentPartPr>
                 <p14:cNvPr id="52" name="筆跡 51">
@@ -7956,7 +8181,7 @@
               </p14:xfrm>
             </p:contentPart>
           </mc:Choice>
-          <mc:Fallback>
+          <mc:Fallback xmlns="">
             <p:pic>
               <p:nvPicPr>
                 <p:cNvPr id="52" name="筆跡 51">
@@ -7987,8 +8212,8 @@
             </p:pic>
           </mc:Fallback>
         </mc:AlternateContent>
-        <mc:AlternateContent xmlns:mc="http://schemas.openxmlformats.org/markup-compatibility/2006">
-          <mc:Choice xmlns:p14="http://schemas.microsoft.com/office/powerpoint/2010/main" Requires="p14">
+        <mc:AlternateContent xmlns:mc="http://schemas.openxmlformats.org/markup-compatibility/2006" xmlns:p14="http://schemas.microsoft.com/office/powerpoint/2010/main">
+          <mc:Choice Requires="p14">
             <p:contentPart p14:bwMode="auto" r:id="rId64">
               <p14:nvContentPartPr>
                 <p14:cNvPr id="53" name="筆跡 52">
@@ -8007,7 +8232,7 @@
               </p14:xfrm>
             </p:contentPart>
           </mc:Choice>
-          <mc:Fallback>
+          <mc:Fallback xmlns="">
             <p:pic>
               <p:nvPicPr>
                 <p:cNvPr id="53" name="筆跡 52">
@@ -8038,8 +8263,8 @@
             </p:pic>
           </mc:Fallback>
         </mc:AlternateContent>
-        <mc:AlternateContent xmlns:mc="http://schemas.openxmlformats.org/markup-compatibility/2006">
-          <mc:Choice xmlns:p14="http://schemas.microsoft.com/office/powerpoint/2010/main" Requires="p14">
+        <mc:AlternateContent xmlns:mc="http://schemas.openxmlformats.org/markup-compatibility/2006" xmlns:p14="http://schemas.microsoft.com/office/powerpoint/2010/main">
+          <mc:Choice Requires="p14">
             <p:contentPart p14:bwMode="auto" r:id="rId66">
               <p14:nvContentPartPr>
                 <p14:cNvPr id="54" name="筆跡 53">
@@ -8058,7 +8283,7 @@
               </p14:xfrm>
             </p:contentPart>
           </mc:Choice>
-          <mc:Fallback>
+          <mc:Fallback xmlns="">
             <p:pic>
               <p:nvPicPr>
                 <p:cNvPr id="54" name="筆跡 53">
@@ -8231,6 +8456,504 @@
         <p:cNvPr id="1" name="">
           <a:extLst>
             <a:ext uri="{FF2B5EF4-FFF2-40B4-BE49-F238E27FC236}">
+              <a16:creationId xmlns:a16="http://schemas.microsoft.com/office/drawing/2014/main" id="{B62BDDC5-0887-BB35-2420-FA8F40BCB2B9}"/>
+            </a:ext>
+          </a:extLst>
+        </p:cNvPr>
+        <p:cNvGrpSpPr/>
+        <p:nvPr/>
+      </p:nvGrpSpPr>
+      <p:grpSpPr>
+        <a:xfrm>
+          <a:off x="0" y="0"/>
+          <a:ext cx="0" cy="0"/>
+          <a:chOff x="0" y="0"/>
+          <a:chExt cx="0" cy="0"/>
+        </a:xfrm>
+      </p:grpSpPr>
+      <p:sp>
+        <p:nvSpPr>
+          <p:cNvPr id="2" name="文字方塊 1">
+            <a:extLst>
+              <a:ext uri="{FF2B5EF4-FFF2-40B4-BE49-F238E27FC236}">
+                <a16:creationId xmlns:a16="http://schemas.microsoft.com/office/drawing/2014/main" id="{34057125-7F8C-689A-AC6C-A25F0A4F7B99}"/>
+              </a:ext>
+            </a:extLst>
+          </p:cNvPr>
+          <p:cNvSpPr txBox="1"/>
+          <p:nvPr/>
+        </p:nvSpPr>
+        <p:spPr>
+          <a:xfrm>
+            <a:off x="544905" y="298689"/>
+            <a:ext cx="7864577" cy="584775"/>
+          </a:xfrm>
+          <a:prstGeom prst="rect">
+            <a:avLst/>
+          </a:prstGeom>
+          <a:noFill/>
+        </p:spPr>
+        <p:txBody>
+          <a:bodyPr wrap="square" rtlCol="0">
+            <a:spAutoFit/>
+          </a:bodyPr>
+          <a:lstStyle/>
+          <a:p>
+            <a:r>
+              <a:rPr lang="es-ES" sz="3200" dirty="0">
+                <a:solidFill>
+                  <a:schemeClr val="tx2">
+                    <a:lumMod val="75000"/>
+                    <a:lumOff val="25000"/>
+                  </a:schemeClr>
+                </a:solidFill>
+                <a:latin typeface="Candara" panose="020E0502030303020204" pitchFamily="34" charset="0"/>
+                <a:cs typeface="Biome" panose="020B0502040204020203" pitchFamily="34" charset="0"/>
+              </a:rPr>
+              <a:t>1.5 accumulated value of payments</a:t>
+            </a:r>
+            <a:endParaRPr lang="es-PE" sz="3200" dirty="0">
+              <a:solidFill>
+                <a:schemeClr val="tx2">
+                  <a:lumMod val="75000"/>
+                  <a:lumOff val="25000"/>
+                </a:schemeClr>
+              </a:solidFill>
+              <a:latin typeface="Candara" panose="020E0502030303020204" pitchFamily="34" charset="0"/>
+              <a:cs typeface="Biome" panose="020B0502040204020203" pitchFamily="34" charset="0"/>
+            </a:endParaRPr>
+          </a:p>
+        </p:txBody>
+      </p:sp>
+      <p:pic>
+        <p:nvPicPr>
+          <p:cNvPr id="5" name="圖片 4">
+            <a:extLst>
+              <a:ext uri="{FF2B5EF4-FFF2-40B4-BE49-F238E27FC236}">
+                <a16:creationId xmlns:a16="http://schemas.microsoft.com/office/drawing/2014/main" id="{E203DB5A-01B7-1D14-FA24-114E2ED6ED93}"/>
+              </a:ext>
+            </a:extLst>
+          </p:cNvPr>
+          <p:cNvPicPr>
+            <a:picLocks noChangeAspect="1"/>
+          </p:cNvPicPr>
+          <p:nvPr/>
+        </p:nvPicPr>
+        <p:blipFill>
+          <a:blip r:embed="rId2"/>
+          <a:stretch>
+            <a:fillRect/>
+          </a:stretch>
+        </p:blipFill>
+        <p:spPr>
+          <a:xfrm>
+            <a:off x="933450" y="1466850"/>
+            <a:ext cx="10325100" cy="3924300"/>
+          </a:xfrm>
+          <a:prstGeom prst="rect">
+            <a:avLst/>
+          </a:prstGeom>
+        </p:spPr>
+      </p:pic>
+      <p:grpSp>
+        <p:nvGrpSpPr>
+          <p:cNvPr id="14" name="群組 13">
+            <a:extLst>
+              <a:ext uri="{FF2B5EF4-FFF2-40B4-BE49-F238E27FC236}">
+                <a16:creationId xmlns:a16="http://schemas.microsoft.com/office/drawing/2014/main" id="{A0BC14DC-310B-7797-A72A-37914CDB74DD}"/>
+              </a:ext>
+            </a:extLst>
+          </p:cNvPr>
+          <p:cNvGrpSpPr/>
+          <p:nvPr/>
+        </p:nvGrpSpPr>
+        <p:grpSpPr>
+          <a:xfrm>
+            <a:off x="5991529" y="1080177"/>
+            <a:ext cx="895320" cy="1091160"/>
+            <a:chOff x="5991529" y="1080177"/>
+            <a:chExt cx="895320" cy="1091160"/>
+          </a:xfrm>
+        </p:grpSpPr>
+        <mc:AlternateContent xmlns:mc="http://schemas.openxmlformats.org/markup-compatibility/2006">
+          <mc:Choice xmlns:p14="http://schemas.microsoft.com/office/powerpoint/2010/main" Requires="p14">
+            <p:contentPart p14:bwMode="auto" r:id="rId3">
+              <p14:nvContentPartPr>
+                <p14:cNvPr id="6" name="筆跡 5">
+                  <a:extLst>
+                    <a:ext uri="{FF2B5EF4-FFF2-40B4-BE49-F238E27FC236}">
+                      <a16:creationId xmlns:a16="http://schemas.microsoft.com/office/drawing/2014/main" id="{AF37E64F-51DF-10E0-6518-719F0080FA83}"/>
+                    </a:ext>
+                  </a:extLst>
+                </p14:cNvPr>
+                <p14:cNvContentPartPr/>
+                <p14:nvPr/>
+              </p14:nvContentPartPr>
+              <p14:xfrm>
+                <a:off x="5991529" y="1601097"/>
+                <a:ext cx="145080" cy="259920"/>
+              </p14:xfrm>
+            </p:contentPart>
+          </mc:Choice>
+          <mc:Fallback>
+            <p:pic>
+              <p:nvPicPr>
+                <p:cNvPr id="6" name="筆跡 5">
+                  <a:extLst>
+                    <a:ext uri="{FF2B5EF4-FFF2-40B4-BE49-F238E27FC236}">
+                      <a16:creationId xmlns:a16="http://schemas.microsoft.com/office/drawing/2014/main" id="{AF37E64F-51DF-10E0-6518-719F0080FA83}"/>
+                    </a:ext>
+                  </a:extLst>
+                </p:cNvPr>
+                <p:cNvPicPr/>
+                <p:nvPr/>
+              </p:nvPicPr>
+              <p:blipFill>
+                <a:blip r:embed="rId4"/>
+                <a:stretch>
+                  <a:fillRect/>
+                </a:stretch>
+              </p:blipFill>
+              <p:spPr>
+                <a:xfrm>
+                  <a:off x="5985409" y="1594977"/>
+                  <a:ext cx="157320" cy="272160"/>
+                </a:xfrm>
+                <a:prstGeom prst="rect">
+                  <a:avLst/>
+                </a:prstGeom>
+              </p:spPr>
+            </p:pic>
+          </mc:Fallback>
+        </mc:AlternateContent>
+        <mc:AlternateContent xmlns:mc="http://schemas.openxmlformats.org/markup-compatibility/2006">
+          <mc:Choice xmlns:p14="http://schemas.microsoft.com/office/powerpoint/2010/main" Requires="p14">
+            <p:contentPart p14:bwMode="auto" r:id="rId5">
+              <p14:nvContentPartPr>
+                <p14:cNvPr id="7" name="筆跡 6">
+                  <a:extLst>
+                    <a:ext uri="{FF2B5EF4-FFF2-40B4-BE49-F238E27FC236}">
+                      <a16:creationId xmlns:a16="http://schemas.microsoft.com/office/drawing/2014/main" id="{014F6A7B-231B-DBA8-98E3-93E5B2FFF964}"/>
+                    </a:ext>
+                  </a:extLst>
+                </p14:cNvPr>
+                <p14:cNvContentPartPr/>
+                <p14:nvPr/>
+              </p14:nvContentPartPr>
+              <p14:xfrm>
+                <a:off x="6170449" y="1627017"/>
+                <a:ext cx="149400" cy="87120"/>
+              </p14:xfrm>
+            </p:contentPart>
+          </mc:Choice>
+          <mc:Fallback>
+            <p:pic>
+              <p:nvPicPr>
+                <p:cNvPr id="7" name="筆跡 6">
+                  <a:extLst>
+                    <a:ext uri="{FF2B5EF4-FFF2-40B4-BE49-F238E27FC236}">
+                      <a16:creationId xmlns:a16="http://schemas.microsoft.com/office/drawing/2014/main" id="{014F6A7B-231B-DBA8-98E3-93E5B2FFF964}"/>
+                    </a:ext>
+                  </a:extLst>
+                </p:cNvPr>
+                <p:cNvPicPr/>
+                <p:nvPr/>
+              </p:nvPicPr>
+              <p:blipFill>
+                <a:blip r:embed="rId6"/>
+                <a:stretch>
+                  <a:fillRect/>
+                </a:stretch>
+              </p:blipFill>
+              <p:spPr>
+                <a:xfrm>
+                  <a:off x="6164329" y="1620897"/>
+                  <a:ext cx="161640" cy="99360"/>
+                </a:xfrm>
+                <a:prstGeom prst="rect">
+                  <a:avLst/>
+                </a:prstGeom>
+              </p:spPr>
+            </p:pic>
+          </mc:Fallback>
+        </mc:AlternateContent>
+        <mc:AlternateContent xmlns:mc="http://schemas.openxmlformats.org/markup-compatibility/2006">
+          <mc:Choice xmlns:p14="http://schemas.microsoft.com/office/powerpoint/2010/main" Requires="p14">
+            <p:contentPart p14:bwMode="auto" r:id="rId7">
+              <p14:nvContentPartPr>
+                <p14:cNvPr id="9" name="筆跡 8">
+                  <a:extLst>
+                    <a:ext uri="{FF2B5EF4-FFF2-40B4-BE49-F238E27FC236}">
+                      <a16:creationId xmlns:a16="http://schemas.microsoft.com/office/drawing/2014/main" id="{54B6085B-67F5-52F7-2AF2-E1E7CBCD5497}"/>
+                    </a:ext>
+                  </a:extLst>
+                </p14:cNvPr>
+                <p14:cNvContentPartPr/>
+                <p14:nvPr/>
+              </p14:nvContentPartPr>
+              <p14:xfrm>
+                <a:off x="6343609" y="1418217"/>
+                <a:ext cx="197640" cy="330840"/>
+              </p14:xfrm>
+            </p:contentPart>
+          </mc:Choice>
+          <mc:Fallback>
+            <p:pic>
+              <p:nvPicPr>
+                <p:cNvPr id="9" name="筆跡 8">
+                  <a:extLst>
+                    <a:ext uri="{FF2B5EF4-FFF2-40B4-BE49-F238E27FC236}">
+                      <a16:creationId xmlns:a16="http://schemas.microsoft.com/office/drawing/2014/main" id="{54B6085B-67F5-52F7-2AF2-E1E7CBCD5497}"/>
+                    </a:ext>
+                  </a:extLst>
+                </p:cNvPr>
+                <p:cNvPicPr/>
+                <p:nvPr/>
+              </p:nvPicPr>
+              <p:blipFill>
+                <a:blip r:embed="rId8"/>
+                <a:stretch>
+                  <a:fillRect/>
+                </a:stretch>
+              </p:blipFill>
+              <p:spPr>
+                <a:xfrm>
+                  <a:off x="6337489" y="1412097"/>
+                  <a:ext cx="209880" cy="343080"/>
+                </a:xfrm>
+                <a:prstGeom prst="rect">
+                  <a:avLst/>
+                </a:prstGeom>
+              </p:spPr>
+            </p:pic>
+          </mc:Fallback>
+        </mc:AlternateContent>
+        <mc:AlternateContent xmlns:mc="http://schemas.openxmlformats.org/markup-compatibility/2006">
+          <mc:Choice xmlns:p14="http://schemas.microsoft.com/office/powerpoint/2010/main" Requires="p14">
+            <p:contentPart p14:bwMode="auto" r:id="rId9">
+              <p14:nvContentPartPr>
+                <p14:cNvPr id="11" name="筆跡 10">
+                  <a:extLst>
+                    <a:ext uri="{FF2B5EF4-FFF2-40B4-BE49-F238E27FC236}">
+                      <a16:creationId xmlns:a16="http://schemas.microsoft.com/office/drawing/2014/main" id="{3789C276-51F7-DE80-412D-5945457EF1D5}"/>
+                    </a:ext>
+                  </a:extLst>
+                </p14:cNvPr>
+                <p14:cNvContentPartPr/>
+                <p14:nvPr/>
+              </p14:nvContentPartPr>
+              <p14:xfrm>
+                <a:off x="6553489" y="1187097"/>
+                <a:ext cx="160560" cy="129960"/>
+              </p14:xfrm>
+            </p:contentPart>
+          </mc:Choice>
+          <mc:Fallback>
+            <p:pic>
+              <p:nvPicPr>
+                <p:cNvPr id="11" name="筆跡 10">
+                  <a:extLst>
+                    <a:ext uri="{FF2B5EF4-FFF2-40B4-BE49-F238E27FC236}">
+                      <a16:creationId xmlns:a16="http://schemas.microsoft.com/office/drawing/2014/main" id="{3789C276-51F7-DE80-412D-5945457EF1D5}"/>
+                    </a:ext>
+                  </a:extLst>
+                </p:cNvPr>
+                <p:cNvPicPr/>
+                <p:nvPr/>
+              </p:nvPicPr>
+              <p:blipFill>
+                <a:blip r:embed="rId10"/>
+                <a:stretch>
+                  <a:fillRect/>
+                </a:stretch>
+              </p:blipFill>
+              <p:spPr>
+                <a:xfrm>
+                  <a:off x="6547369" y="1180977"/>
+                  <a:ext cx="172800" cy="142200"/>
+                </a:xfrm>
+                <a:prstGeom prst="rect">
+                  <a:avLst/>
+                </a:prstGeom>
+              </p:spPr>
+            </p:pic>
+          </mc:Fallback>
+        </mc:AlternateContent>
+        <mc:AlternateContent xmlns:mc="http://schemas.openxmlformats.org/markup-compatibility/2006">
+          <mc:Choice xmlns:p14="http://schemas.microsoft.com/office/powerpoint/2010/main" Requires="p14">
+            <p:contentPart p14:bwMode="auto" r:id="rId11">
+              <p14:nvContentPartPr>
+                <p14:cNvPr id="12" name="筆跡 11">
+                  <a:extLst>
+                    <a:ext uri="{FF2B5EF4-FFF2-40B4-BE49-F238E27FC236}">
+                      <a16:creationId xmlns:a16="http://schemas.microsoft.com/office/drawing/2014/main" id="{7ACE6533-651F-4376-E0DC-F7BE8C13B692}"/>
+                    </a:ext>
+                  </a:extLst>
+                </p14:cNvPr>
+                <p14:cNvContentPartPr/>
+                <p14:nvPr/>
+              </p14:nvContentPartPr>
+              <p14:xfrm>
+                <a:off x="6596329" y="1080177"/>
+                <a:ext cx="246240" cy="345600"/>
+              </p14:xfrm>
+            </p:contentPart>
+          </mc:Choice>
+          <mc:Fallback>
+            <p:pic>
+              <p:nvPicPr>
+                <p:cNvPr id="12" name="筆跡 11">
+                  <a:extLst>
+                    <a:ext uri="{FF2B5EF4-FFF2-40B4-BE49-F238E27FC236}">
+                      <a16:creationId xmlns:a16="http://schemas.microsoft.com/office/drawing/2014/main" id="{7ACE6533-651F-4376-E0DC-F7BE8C13B692}"/>
+                    </a:ext>
+                  </a:extLst>
+                </p:cNvPr>
+                <p:cNvPicPr/>
+                <p:nvPr/>
+              </p:nvPicPr>
+              <p:blipFill>
+                <a:blip r:embed="rId12"/>
+                <a:stretch>
+                  <a:fillRect/>
+                </a:stretch>
+              </p:blipFill>
+              <p:spPr>
+                <a:xfrm>
+                  <a:off x="6590209" y="1074057"/>
+                  <a:ext cx="258480" cy="357840"/>
+                </a:xfrm>
+                <a:prstGeom prst="rect">
+                  <a:avLst/>
+                </a:prstGeom>
+              </p:spPr>
+            </p:pic>
+          </mc:Fallback>
+        </mc:AlternateContent>
+        <mc:AlternateContent xmlns:mc="http://schemas.openxmlformats.org/markup-compatibility/2006">
+          <mc:Choice xmlns:p14="http://schemas.microsoft.com/office/powerpoint/2010/main" Requires="p14">
+            <p:contentPart p14:bwMode="auto" r:id="rId13">
+              <p14:nvContentPartPr>
+                <p14:cNvPr id="13" name="筆跡 12">
+                  <a:extLst>
+                    <a:ext uri="{FF2B5EF4-FFF2-40B4-BE49-F238E27FC236}">
+                      <a16:creationId xmlns:a16="http://schemas.microsoft.com/office/drawing/2014/main" id="{42C45B44-BE84-07EC-5EAC-472BBA3F1BC7}"/>
+                    </a:ext>
+                  </a:extLst>
+                </p14:cNvPr>
+                <p14:cNvContentPartPr/>
+                <p14:nvPr/>
+              </p14:nvContentPartPr>
+              <p14:xfrm>
+                <a:off x="6026809" y="1597497"/>
+                <a:ext cx="860040" cy="573840"/>
+              </p14:xfrm>
+            </p:contentPart>
+          </mc:Choice>
+          <mc:Fallback>
+            <p:pic>
+              <p:nvPicPr>
+                <p:cNvPr id="13" name="筆跡 12">
+                  <a:extLst>
+                    <a:ext uri="{FF2B5EF4-FFF2-40B4-BE49-F238E27FC236}">
+                      <a16:creationId xmlns:a16="http://schemas.microsoft.com/office/drawing/2014/main" id="{42C45B44-BE84-07EC-5EAC-472BBA3F1BC7}"/>
+                    </a:ext>
+                  </a:extLst>
+                </p:cNvPr>
+                <p:cNvPicPr/>
+                <p:nvPr/>
+              </p:nvPicPr>
+              <p:blipFill>
+                <a:blip r:embed="rId14"/>
+                <a:stretch>
+                  <a:fillRect/>
+                </a:stretch>
+              </p:blipFill>
+              <p:spPr>
+                <a:xfrm>
+                  <a:off x="6020689" y="1591377"/>
+                  <a:ext cx="872280" cy="586080"/>
+                </a:xfrm>
+                <a:prstGeom prst="rect">
+                  <a:avLst/>
+                </a:prstGeom>
+              </p:spPr>
+            </p:pic>
+          </mc:Fallback>
+        </mc:AlternateContent>
+      </p:grpSp>
+      <mc:AlternateContent xmlns:mc="http://schemas.openxmlformats.org/markup-compatibility/2006">
+        <mc:Choice xmlns:p14="http://schemas.microsoft.com/office/powerpoint/2010/main" Requires="p14">
+          <p:contentPart p14:bwMode="auto" r:id="rId15">
+            <p14:nvContentPartPr>
+              <p14:cNvPr id="16" name="筆跡 15">
+                <a:extLst>
+                  <a:ext uri="{FF2B5EF4-FFF2-40B4-BE49-F238E27FC236}">
+                    <a16:creationId xmlns:a16="http://schemas.microsoft.com/office/drawing/2014/main" id="{D142A1D6-2703-2D7E-08D1-46A8B9BF7A46}"/>
+                  </a:ext>
+                </a:extLst>
+              </p14:cNvPr>
+              <p14:cNvContentPartPr/>
+              <p14:nvPr/>
+            </p14:nvContentPartPr>
+            <p14:xfrm>
+              <a:off x="6518929" y="1987737"/>
+              <a:ext cx="443520" cy="424440"/>
+            </p14:xfrm>
+          </p:contentPart>
+        </mc:Choice>
+        <mc:Fallback>
+          <p:pic>
+            <p:nvPicPr>
+              <p:cNvPr id="16" name="筆跡 15">
+                <a:extLst>
+                  <a:ext uri="{FF2B5EF4-FFF2-40B4-BE49-F238E27FC236}">
+                    <a16:creationId xmlns:a16="http://schemas.microsoft.com/office/drawing/2014/main" id="{D142A1D6-2703-2D7E-08D1-46A8B9BF7A46}"/>
+                  </a:ext>
+                </a:extLst>
+              </p:cNvPr>
+              <p:cNvPicPr/>
+              <p:nvPr/>
+            </p:nvPicPr>
+            <p:blipFill>
+              <a:blip r:embed="rId16"/>
+              <a:stretch>
+                <a:fillRect/>
+              </a:stretch>
+            </p:blipFill>
+            <p:spPr>
+              <a:xfrm>
+                <a:off x="6512809" y="1981617"/>
+                <a:ext cx="455760" cy="436680"/>
+              </a:xfrm>
+              <a:prstGeom prst="rect">
+                <a:avLst/>
+              </a:prstGeom>
+            </p:spPr>
+          </p:pic>
+        </mc:Fallback>
+      </mc:AlternateContent>
+    </p:spTree>
+    <p:extLst>
+      <p:ext uri="{BB962C8B-B14F-4D97-AF65-F5344CB8AC3E}">
+        <p14:creationId xmlns:p14="http://schemas.microsoft.com/office/powerpoint/2010/main" val="430952460"/>
+      </p:ext>
+    </p:extLst>
+  </p:cSld>
+  <p:clrMapOvr>
+    <a:masterClrMapping/>
+  </p:clrMapOvr>
+</p:sld>
+</file>
+
+<file path=ppt/slides/slide17.xml><?xml version="1.0" encoding="utf-8"?>
+<p:sld xmlns:a="http://schemas.openxmlformats.org/drawingml/2006/main" xmlns:r="http://schemas.openxmlformats.org/officeDocument/2006/relationships" xmlns:p="http://schemas.openxmlformats.org/presentationml/2006/main">
+  <p:cSld>
+    <p:spTree>
+      <p:nvGrpSpPr>
+        <p:cNvPr id="1" name="">
+          <a:extLst>
+            <a:ext uri="{FF2B5EF4-FFF2-40B4-BE49-F238E27FC236}">
               <a16:creationId xmlns:a16="http://schemas.microsoft.com/office/drawing/2014/main" id="{60CCF6C1-8860-CCA8-F034-206FA328242E}"/>
             </a:ext>
           </a:extLst>
@@ -8360,8 +9083,8 @@
           </a:prstGeom>
         </p:spPr>
       </p:pic>
-      <mc:AlternateContent xmlns:mc="http://schemas.openxmlformats.org/markup-compatibility/2006">
-        <mc:Choice xmlns:p14="http://schemas.microsoft.com/office/powerpoint/2010/main" Requires="p14">
+      <mc:AlternateContent xmlns:mc="http://schemas.openxmlformats.org/markup-compatibility/2006" xmlns:p14="http://schemas.microsoft.com/office/powerpoint/2010/main">
+        <mc:Choice Requires="p14">
           <p:contentPart p14:bwMode="auto" r:id="rId4">
             <p14:nvContentPartPr>
               <p14:cNvPr id="7" name="筆跡 6">
@@ -8380,7 +9103,7 @@
             </p14:xfrm>
           </p:contentPart>
         </mc:Choice>
-        <mc:Fallback>
+        <mc:Fallback xmlns="">
           <p:pic>
             <p:nvPicPr>
               <p:cNvPr id="7" name="筆跡 6">
@@ -8454,7 +9177,7 @@
 </p:sld>
 </file>
 
-<file path=ppt/slides/slide17.xml><?xml version="1.0" encoding="utf-8"?>
+<file path=ppt/slides/slide18.xml><?xml version="1.0" encoding="utf-8"?>
 <p:sld xmlns:a="http://schemas.openxmlformats.org/drawingml/2006/main" xmlns:r="http://schemas.openxmlformats.org/officeDocument/2006/relationships" xmlns:p="http://schemas.openxmlformats.org/presentationml/2006/main">
   <p:cSld>
     <p:spTree>
@@ -8574,7 +9297,7 @@
 </p:sld>
 </file>
 
-<file path=ppt/slides/slide18.xml><?xml version="1.0" encoding="utf-8"?>
+<file path=ppt/slides/slide19.xml><?xml version="1.0" encoding="utf-8"?>
 <p:sld xmlns:a="http://schemas.openxmlformats.org/drawingml/2006/main" xmlns:r="http://schemas.openxmlformats.org/officeDocument/2006/relationships" xmlns:p="http://schemas.openxmlformats.org/presentationml/2006/main">
   <p:cSld>
     <p:spTree>
@@ -8694,7 +9417,73 @@
 </p:sld>
 </file>
 
-<file path=ppt/slides/slide19.xml><?xml version="1.0" encoding="utf-8"?>
+<file path=ppt/slides/slide2.xml><?xml version="1.0" encoding="utf-8"?>
+<p:sld xmlns:a="http://schemas.openxmlformats.org/drawingml/2006/main" xmlns:r="http://schemas.openxmlformats.org/officeDocument/2006/relationships" xmlns:p="http://schemas.openxmlformats.org/presentationml/2006/main">
+  <p:cSld>
+    <p:spTree>
+      <p:nvGrpSpPr>
+        <p:cNvPr id="1" name="">
+          <a:extLst>
+            <a:ext uri="{FF2B5EF4-FFF2-40B4-BE49-F238E27FC236}">
+              <a16:creationId xmlns:a16="http://schemas.microsoft.com/office/drawing/2014/main" id="{F1F6C878-D558-09A7-7688-9B9C61377103}"/>
+            </a:ext>
+          </a:extLst>
+        </p:cNvPr>
+        <p:cNvGrpSpPr/>
+        <p:nvPr/>
+      </p:nvGrpSpPr>
+      <p:grpSpPr>
+        <a:xfrm>
+          <a:off x="0" y="0"/>
+          <a:ext cx="0" cy="0"/>
+          <a:chOff x="0" y="0"/>
+          <a:chExt cx="0" cy="0"/>
+        </a:xfrm>
+      </p:grpSpPr>
+      <p:pic>
+        <p:nvPicPr>
+          <p:cNvPr id="4" name="圖片 3">
+            <a:extLst>
+              <a:ext uri="{FF2B5EF4-FFF2-40B4-BE49-F238E27FC236}">
+                <a16:creationId xmlns:a16="http://schemas.microsoft.com/office/drawing/2014/main" id="{DE8B3959-22EC-6AF7-E1D1-2C8B98C9272E}"/>
+              </a:ext>
+            </a:extLst>
+          </p:cNvPr>
+          <p:cNvPicPr>
+            <a:picLocks noChangeAspect="1"/>
+          </p:cNvPicPr>
+          <p:nvPr/>
+        </p:nvPicPr>
+        <p:blipFill>
+          <a:blip r:embed="rId2"/>
+          <a:stretch>
+            <a:fillRect/>
+          </a:stretch>
+        </p:blipFill>
+        <p:spPr>
+          <a:xfrm>
+            <a:off x="821411" y="624852"/>
+            <a:ext cx="8501546" cy="5608295"/>
+          </a:xfrm>
+          <a:prstGeom prst="rect">
+            <a:avLst/>
+          </a:prstGeom>
+        </p:spPr>
+      </p:pic>
+    </p:spTree>
+    <p:extLst>
+      <p:ext uri="{BB962C8B-B14F-4D97-AF65-F5344CB8AC3E}">
+        <p14:creationId xmlns:p14="http://schemas.microsoft.com/office/powerpoint/2010/main" val="1218240284"/>
+      </p:ext>
+    </p:extLst>
+  </p:cSld>
+  <p:clrMapOvr>
+    <a:masterClrMapping/>
+  </p:clrMapOvr>
+</p:sld>
+</file>
+
+<file path=ppt/slides/slide20.xml><?xml version="1.0" encoding="utf-8"?>
 <p:sld xmlns:a="http://schemas.openxmlformats.org/drawingml/2006/main" xmlns:r="http://schemas.openxmlformats.org/officeDocument/2006/relationships" xmlns:p="http://schemas.openxmlformats.org/presentationml/2006/main">
   <p:cSld>
     <p:spTree>
@@ -8844,73 +9633,7 @@
 </p:sld>
 </file>
 
-<file path=ppt/slides/slide2.xml><?xml version="1.0" encoding="utf-8"?>
-<p:sld xmlns:a="http://schemas.openxmlformats.org/drawingml/2006/main" xmlns:r="http://schemas.openxmlformats.org/officeDocument/2006/relationships" xmlns:p="http://schemas.openxmlformats.org/presentationml/2006/main">
-  <p:cSld>
-    <p:spTree>
-      <p:nvGrpSpPr>
-        <p:cNvPr id="1" name="">
-          <a:extLst>
-            <a:ext uri="{FF2B5EF4-FFF2-40B4-BE49-F238E27FC236}">
-              <a16:creationId xmlns:a16="http://schemas.microsoft.com/office/drawing/2014/main" id="{F1F6C878-D558-09A7-7688-9B9C61377103}"/>
-            </a:ext>
-          </a:extLst>
-        </p:cNvPr>
-        <p:cNvGrpSpPr/>
-        <p:nvPr/>
-      </p:nvGrpSpPr>
-      <p:grpSpPr>
-        <a:xfrm>
-          <a:off x="0" y="0"/>
-          <a:ext cx="0" cy="0"/>
-          <a:chOff x="0" y="0"/>
-          <a:chExt cx="0" cy="0"/>
-        </a:xfrm>
-      </p:grpSpPr>
-      <p:pic>
-        <p:nvPicPr>
-          <p:cNvPr id="4" name="圖片 3">
-            <a:extLst>
-              <a:ext uri="{FF2B5EF4-FFF2-40B4-BE49-F238E27FC236}">
-                <a16:creationId xmlns:a16="http://schemas.microsoft.com/office/drawing/2014/main" id="{DE8B3959-22EC-6AF7-E1D1-2C8B98C9272E}"/>
-              </a:ext>
-            </a:extLst>
-          </p:cNvPr>
-          <p:cNvPicPr>
-            <a:picLocks noChangeAspect="1"/>
-          </p:cNvPicPr>
-          <p:nvPr/>
-        </p:nvPicPr>
-        <p:blipFill>
-          <a:blip r:embed="rId2"/>
-          <a:stretch>
-            <a:fillRect/>
-          </a:stretch>
-        </p:blipFill>
-        <p:spPr>
-          <a:xfrm>
-            <a:off x="821411" y="624852"/>
-            <a:ext cx="8501546" cy="5608295"/>
-          </a:xfrm>
-          <a:prstGeom prst="rect">
-            <a:avLst/>
-          </a:prstGeom>
-        </p:spPr>
-      </p:pic>
-    </p:spTree>
-    <p:extLst>
-      <p:ext uri="{BB962C8B-B14F-4D97-AF65-F5344CB8AC3E}">
-        <p14:creationId xmlns:p14="http://schemas.microsoft.com/office/powerpoint/2010/main" val="1218240284"/>
-      </p:ext>
-    </p:extLst>
-  </p:cSld>
-  <p:clrMapOvr>
-    <a:masterClrMapping/>
-  </p:clrMapOvr>
-</p:sld>
-</file>
-
-<file path=ppt/slides/slide20.xml><?xml version="1.0" encoding="utf-8"?>
+<file path=ppt/slides/slide21.xml><?xml version="1.0" encoding="utf-8"?>
 <p:sld xmlns:a="http://schemas.openxmlformats.org/drawingml/2006/main" xmlns:r="http://schemas.openxmlformats.org/officeDocument/2006/relationships" xmlns:p="http://schemas.openxmlformats.org/presentationml/2006/main">
   <p:cSld>
     <p:spTree>
@@ -8976,7 +9699,7 @@
 </p:sld>
 </file>
 
-<file path=ppt/slides/slide21.xml><?xml version="1.0" encoding="utf-8"?>
+<file path=ppt/slides/slide22.xml><?xml version="1.0" encoding="utf-8"?>
 <p:sld xmlns:a="http://schemas.openxmlformats.org/drawingml/2006/main" xmlns:r="http://schemas.openxmlformats.org/officeDocument/2006/relationships" xmlns:p="http://schemas.openxmlformats.org/presentationml/2006/main">
   <p:cSld>
     <p:spTree>
@@ -9042,7 +9765,7 @@
 </p:sld>
 </file>
 
-<file path=ppt/slides/slide22.xml><?xml version="1.0" encoding="utf-8"?>
+<file path=ppt/slides/slide23.xml><?xml version="1.0" encoding="utf-8"?>
 <p:sld xmlns:a="http://schemas.openxmlformats.org/drawingml/2006/main" xmlns:r="http://schemas.openxmlformats.org/officeDocument/2006/relationships" xmlns:p="http://schemas.openxmlformats.org/presentationml/2006/main">
   <p:cSld>
     <p:spTree>
@@ -9108,7 +9831,7 @@
 </p:sld>
 </file>
 
-<file path=ppt/slides/slide23.xml><?xml version="1.0" encoding="utf-8"?>
+<file path=ppt/slides/slide24.xml><?xml version="1.0" encoding="utf-8"?>
 <p:sld xmlns:a="http://schemas.openxmlformats.org/drawingml/2006/main" xmlns:r="http://schemas.openxmlformats.org/officeDocument/2006/relationships" xmlns:p="http://schemas.openxmlformats.org/presentationml/2006/main">
   <p:cSld>
     <p:spTree>
@@ -9174,7 +9897,7 @@
 </p:sld>
 </file>
 
-<file path=ppt/slides/slide24.xml><?xml version="1.0" encoding="utf-8"?>
+<file path=ppt/slides/slide25.xml><?xml version="1.0" encoding="utf-8"?>
 <p:sld xmlns:a="http://schemas.openxmlformats.org/drawingml/2006/main" xmlns:r="http://schemas.openxmlformats.org/officeDocument/2006/relationships" xmlns:p="http://schemas.openxmlformats.org/presentationml/2006/main">
   <p:cSld>
     <p:spTree>
@@ -9240,7 +9963,7 @@
 </p:sld>
 </file>
 
-<file path=ppt/slides/slide25.xml><?xml version="1.0" encoding="utf-8"?>
+<file path=ppt/slides/slide26.xml><?xml version="1.0" encoding="utf-8"?>
 <p:sld xmlns:a="http://schemas.openxmlformats.org/drawingml/2006/main" xmlns:r="http://schemas.openxmlformats.org/officeDocument/2006/relationships" xmlns:p="http://schemas.openxmlformats.org/presentationml/2006/main">
   <p:cSld>
     <p:spTree>
@@ -9306,7 +10029,7 @@
 </p:sld>
 </file>
 
-<file path=ppt/slides/slide26.xml><?xml version="1.0" encoding="utf-8"?>
+<file path=ppt/slides/slide27.xml><?xml version="1.0" encoding="utf-8"?>
 <p:sld xmlns:a="http://schemas.openxmlformats.org/drawingml/2006/main" xmlns:r="http://schemas.openxmlformats.org/officeDocument/2006/relationships" xmlns:p="http://schemas.openxmlformats.org/presentationml/2006/main">
   <p:cSld>
     <p:spTree>
@@ -9402,7 +10125,7 @@
 </p:sld>
 </file>
 
-<file path=ppt/slides/slide27.xml><?xml version="1.0" encoding="utf-8"?>
+<file path=ppt/slides/slide28.xml><?xml version="1.0" encoding="utf-8"?>
 <p:sld xmlns:a="http://schemas.openxmlformats.org/drawingml/2006/main" xmlns:r="http://schemas.openxmlformats.org/officeDocument/2006/relationships" xmlns:p="http://schemas.openxmlformats.org/presentationml/2006/main">
   <p:cSld>
     <p:spTree>
@@ -9468,7 +10191,7 @@
 </p:sld>
 </file>
 
-<file path=ppt/slides/slide28.xml><?xml version="1.0" encoding="utf-8"?>
+<file path=ppt/slides/slide29.xml><?xml version="1.0" encoding="utf-8"?>
 <p:sld xmlns:a="http://schemas.openxmlformats.org/drawingml/2006/main" xmlns:r="http://schemas.openxmlformats.org/officeDocument/2006/relationships" xmlns:p="http://schemas.openxmlformats.org/presentationml/2006/main">
   <p:cSld>
     <p:spTree>
@@ -9525,72 +10248,6 @@
     <p:extLst>
       <p:ext uri="{BB962C8B-B14F-4D97-AF65-F5344CB8AC3E}">
         <p14:creationId xmlns:p14="http://schemas.microsoft.com/office/powerpoint/2010/main" val="1598974822"/>
-      </p:ext>
-    </p:extLst>
-  </p:cSld>
-  <p:clrMapOvr>
-    <a:masterClrMapping/>
-  </p:clrMapOvr>
-</p:sld>
-</file>
-
-<file path=ppt/slides/slide29.xml><?xml version="1.0" encoding="utf-8"?>
-<p:sld xmlns:a="http://schemas.openxmlformats.org/drawingml/2006/main" xmlns:r="http://schemas.openxmlformats.org/officeDocument/2006/relationships" xmlns:p="http://schemas.openxmlformats.org/presentationml/2006/main">
-  <p:cSld>
-    <p:spTree>
-      <p:nvGrpSpPr>
-        <p:cNvPr id="1" name="">
-          <a:extLst>
-            <a:ext uri="{FF2B5EF4-FFF2-40B4-BE49-F238E27FC236}">
-              <a16:creationId xmlns:a16="http://schemas.microsoft.com/office/drawing/2014/main" id="{8CB684B4-160D-A005-1FBC-DC6D7E62F8F9}"/>
-            </a:ext>
-          </a:extLst>
-        </p:cNvPr>
-        <p:cNvGrpSpPr/>
-        <p:nvPr/>
-      </p:nvGrpSpPr>
-      <p:grpSpPr>
-        <a:xfrm>
-          <a:off x="0" y="0"/>
-          <a:ext cx="0" cy="0"/>
-          <a:chOff x="0" y="0"/>
-          <a:chExt cx="0" cy="0"/>
-        </a:xfrm>
-      </p:grpSpPr>
-      <p:pic>
-        <p:nvPicPr>
-          <p:cNvPr id="3" name="圖片 2">
-            <a:extLst>
-              <a:ext uri="{FF2B5EF4-FFF2-40B4-BE49-F238E27FC236}">
-                <a16:creationId xmlns:a16="http://schemas.microsoft.com/office/drawing/2014/main" id="{1FCEB99B-9B52-8813-226F-E0D1C8CFA9ED}"/>
-              </a:ext>
-            </a:extLst>
-          </p:cNvPr>
-          <p:cNvPicPr>
-            <a:picLocks noChangeAspect="1"/>
-          </p:cNvPicPr>
-          <p:nvPr/>
-        </p:nvPicPr>
-        <p:blipFill>
-          <a:blip r:embed="rId2"/>
-          <a:stretch>
-            <a:fillRect/>
-          </a:stretch>
-        </p:blipFill>
-        <p:spPr>
-          <a:xfrm>
-            <a:off x="761320" y="571840"/>
-            <a:ext cx="10898133" cy="5714320"/>
-          </a:xfrm>
-          <a:prstGeom prst="rect">
-            <a:avLst/>
-          </a:prstGeom>
-        </p:spPr>
-      </p:pic>
-    </p:spTree>
-    <p:extLst>
-      <p:ext uri="{BB962C8B-B14F-4D97-AF65-F5344CB8AC3E}">
-        <p14:creationId xmlns:p14="http://schemas.microsoft.com/office/powerpoint/2010/main" val="2224801676"/>
       </p:ext>
     </p:extLst>
   </p:cSld>
@@ -10489,6 +11146,72 @@
         <p:cNvPr id="1" name="">
           <a:extLst>
             <a:ext uri="{FF2B5EF4-FFF2-40B4-BE49-F238E27FC236}">
+              <a16:creationId xmlns:a16="http://schemas.microsoft.com/office/drawing/2014/main" id="{8CB684B4-160D-A005-1FBC-DC6D7E62F8F9}"/>
+            </a:ext>
+          </a:extLst>
+        </p:cNvPr>
+        <p:cNvGrpSpPr/>
+        <p:nvPr/>
+      </p:nvGrpSpPr>
+      <p:grpSpPr>
+        <a:xfrm>
+          <a:off x="0" y="0"/>
+          <a:ext cx="0" cy="0"/>
+          <a:chOff x="0" y="0"/>
+          <a:chExt cx="0" cy="0"/>
+        </a:xfrm>
+      </p:grpSpPr>
+      <p:pic>
+        <p:nvPicPr>
+          <p:cNvPr id="3" name="圖片 2">
+            <a:extLst>
+              <a:ext uri="{FF2B5EF4-FFF2-40B4-BE49-F238E27FC236}">
+                <a16:creationId xmlns:a16="http://schemas.microsoft.com/office/drawing/2014/main" id="{1FCEB99B-9B52-8813-226F-E0D1C8CFA9ED}"/>
+              </a:ext>
+            </a:extLst>
+          </p:cNvPr>
+          <p:cNvPicPr>
+            <a:picLocks noChangeAspect="1"/>
+          </p:cNvPicPr>
+          <p:nvPr/>
+        </p:nvPicPr>
+        <p:blipFill>
+          <a:blip r:embed="rId2"/>
+          <a:stretch>
+            <a:fillRect/>
+          </a:stretch>
+        </p:blipFill>
+        <p:spPr>
+          <a:xfrm>
+            <a:off x="761320" y="571840"/>
+            <a:ext cx="10898133" cy="5714320"/>
+          </a:xfrm>
+          <a:prstGeom prst="rect">
+            <a:avLst/>
+          </a:prstGeom>
+        </p:spPr>
+      </p:pic>
+    </p:spTree>
+    <p:extLst>
+      <p:ext uri="{BB962C8B-B14F-4D97-AF65-F5344CB8AC3E}">
+        <p14:creationId xmlns:p14="http://schemas.microsoft.com/office/powerpoint/2010/main" val="2224801676"/>
+      </p:ext>
+    </p:extLst>
+  </p:cSld>
+  <p:clrMapOvr>
+    <a:masterClrMapping/>
+  </p:clrMapOvr>
+</p:sld>
+</file>
+
+<file path=ppt/slides/slide31.xml><?xml version="1.0" encoding="utf-8"?>
+<p:sld xmlns:a="http://schemas.openxmlformats.org/drawingml/2006/main" xmlns:r="http://schemas.openxmlformats.org/officeDocument/2006/relationships" xmlns:p="http://schemas.openxmlformats.org/presentationml/2006/main">
+  <p:cSld>
+    <p:spTree>
+      <p:nvGrpSpPr>
+        <p:cNvPr id="1" name="">
+          <a:extLst>
+            <a:ext uri="{FF2B5EF4-FFF2-40B4-BE49-F238E27FC236}">
               <a16:creationId xmlns:a16="http://schemas.microsoft.com/office/drawing/2014/main" id="{9B2D7237-E1BC-2EB8-BAB0-618FA47291AE}"/>
             </a:ext>
           </a:extLst>
@@ -10547,7 +11270,7 @@
 </p:sld>
 </file>
 
-<file path=ppt/slides/slide31.xml><?xml version="1.0" encoding="utf-8"?>
+<file path=ppt/slides/slide32.xml><?xml version="1.0" encoding="utf-8"?>
 <p:sld xmlns:a="http://schemas.openxmlformats.org/drawingml/2006/main" xmlns:r="http://schemas.openxmlformats.org/officeDocument/2006/relationships" xmlns:p="http://schemas.openxmlformats.org/presentationml/2006/main">
   <p:cSld>
     <p:spTree>
@@ -10613,7 +11336,7 @@
 </p:sld>
 </file>
 
-<file path=ppt/slides/slide32.xml><?xml version="1.0" encoding="utf-8"?>
+<file path=ppt/slides/slide33.xml><?xml version="1.0" encoding="utf-8"?>
 <p:sld xmlns:a="http://schemas.openxmlformats.org/drawingml/2006/main" xmlns:r="http://schemas.openxmlformats.org/officeDocument/2006/relationships" xmlns:p="http://schemas.openxmlformats.org/presentationml/2006/main">
   <p:cSld>
     <p:spTree>
@@ -10679,7 +11402,7 @@
 </p:sld>
 </file>
 
-<file path=ppt/slides/slide33.xml><?xml version="1.0" encoding="utf-8"?>
+<file path=ppt/slides/slide34.xml><?xml version="1.0" encoding="utf-8"?>
 <p:sld xmlns:a="http://schemas.openxmlformats.org/drawingml/2006/main" xmlns:r="http://schemas.openxmlformats.org/officeDocument/2006/relationships" xmlns:p="http://schemas.openxmlformats.org/presentationml/2006/main">
   <p:cSld>
     <p:spTree>
